--- a/DiagramaJuego.pptx
+++ b/DiagramaJuego.pptx
@@ -105,6 +105,11 @@
       </a:defRPr>
     </a:lvl9pPr>
   </p:defaultTextStyle>
+  <p:extLst>
+    <p:ext uri="{EFAFB233-063F-42B5-8137-9DF3F51BA10A}">
+      <p15:sldGuideLst xmlns:p15="http://schemas.microsoft.com/office/powerpoint/2012/main"/>
+    </p:ext>
+  </p:extLst>
 </p:presentation>
 </file>
 
@@ -239,7 +244,7 @@
           <a:p>
             <a:fld id="{D96251D8-582E-4F71-8790-964B5AA9A609}" type="datetimeFigureOut">
               <a:rPr lang="es-ES" smtClean="0"/>
-              <a:t>29/10/2024</a:t>
+              <a:t>04/11/2024</a:t>
             </a:fld>
             <a:endParaRPr lang="es-ES"/>
           </a:p>
@@ -409,7 +414,7 @@
           <a:p>
             <a:fld id="{D96251D8-582E-4F71-8790-964B5AA9A609}" type="datetimeFigureOut">
               <a:rPr lang="es-ES" smtClean="0"/>
-              <a:t>29/10/2024</a:t>
+              <a:t>04/11/2024</a:t>
             </a:fld>
             <a:endParaRPr lang="es-ES"/>
           </a:p>
@@ -589,7 +594,7 @@
           <a:p>
             <a:fld id="{D96251D8-582E-4F71-8790-964B5AA9A609}" type="datetimeFigureOut">
               <a:rPr lang="es-ES" smtClean="0"/>
-              <a:t>29/10/2024</a:t>
+              <a:t>04/11/2024</a:t>
             </a:fld>
             <a:endParaRPr lang="es-ES"/>
           </a:p>
@@ -759,7 +764,7 @@
           <a:p>
             <a:fld id="{D96251D8-582E-4F71-8790-964B5AA9A609}" type="datetimeFigureOut">
               <a:rPr lang="es-ES" smtClean="0"/>
-              <a:t>29/10/2024</a:t>
+              <a:t>04/11/2024</a:t>
             </a:fld>
             <a:endParaRPr lang="es-ES"/>
           </a:p>
@@ -1005,7 +1010,7 @@
           <a:p>
             <a:fld id="{D96251D8-582E-4F71-8790-964B5AA9A609}" type="datetimeFigureOut">
               <a:rPr lang="es-ES" smtClean="0"/>
-              <a:t>29/10/2024</a:t>
+              <a:t>04/11/2024</a:t>
             </a:fld>
             <a:endParaRPr lang="es-ES"/>
           </a:p>
@@ -1237,7 +1242,7 @@
           <a:p>
             <a:fld id="{D96251D8-582E-4F71-8790-964B5AA9A609}" type="datetimeFigureOut">
               <a:rPr lang="es-ES" smtClean="0"/>
-              <a:t>29/10/2024</a:t>
+              <a:t>04/11/2024</a:t>
             </a:fld>
             <a:endParaRPr lang="es-ES"/>
           </a:p>
@@ -1604,7 +1609,7 @@
           <a:p>
             <a:fld id="{D96251D8-582E-4F71-8790-964B5AA9A609}" type="datetimeFigureOut">
               <a:rPr lang="es-ES" smtClean="0"/>
-              <a:t>29/10/2024</a:t>
+              <a:t>04/11/2024</a:t>
             </a:fld>
             <a:endParaRPr lang="es-ES"/>
           </a:p>
@@ -1722,7 +1727,7 @@
           <a:p>
             <a:fld id="{D96251D8-582E-4F71-8790-964B5AA9A609}" type="datetimeFigureOut">
               <a:rPr lang="es-ES" smtClean="0"/>
-              <a:t>29/10/2024</a:t>
+              <a:t>04/11/2024</a:t>
             </a:fld>
             <a:endParaRPr lang="es-ES"/>
           </a:p>
@@ -1817,7 +1822,7 @@
           <a:p>
             <a:fld id="{D96251D8-582E-4F71-8790-964B5AA9A609}" type="datetimeFigureOut">
               <a:rPr lang="es-ES" smtClean="0"/>
-              <a:t>29/10/2024</a:t>
+              <a:t>04/11/2024</a:t>
             </a:fld>
             <a:endParaRPr lang="es-ES"/>
           </a:p>
@@ -2094,7 +2099,7 @@
           <a:p>
             <a:fld id="{D96251D8-582E-4F71-8790-964B5AA9A609}" type="datetimeFigureOut">
               <a:rPr lang="es-ES" smtClean="0"/>
-              <a:t>29/10/2024</a:t>
+              <a:t>04/11/2024</a:t>
             </a:fld>
             <a:endParaRPr lang="es-ES"/>
           </a:p>
@@ -2347,7 +2352,7 @@
           <a:p>
             <a:fld id="{D96251D8-582E-4F71-8790-964B5AA9A609}" type="datetimeFigureOut">
               <a:rPr lang="es-ES" smtClean="0"/>
-              <a:t>29/10/2024</a:t>
+              <a:t>04/11/2024</a:t>
             </a:fld>
             <a:endParaRPr lang="es-ES"/>
           </a:p>
@@ -2560,7 +2565,7 @@
           <a:p>
             <a:fld id="{D96251D8-582E-4F71-8790-964B5AA9A609}" type="datetimeFigureOut">
               <a:rPr lang="es-ES" smtClean="0"/>
-              <a:t>29/10/2024</a:t>
+              <a:t>04/11/2024</a:t>
             </a:fld>
             <a:endParaRPr lang="es-ES"/>
           </a:p>
@@ -3083,7 +3088,7 @@
         </p:nvSpPr>
         <p:spPr>
           <a:xfrm>
-            <a:off x="2199334" y="766904"/>
+            <a:off x="2199334" y="843780"/>
             <a:ext cx="2156422" cy="430887"/>
           </a:xfrm>
           <a:prstGeom prst="rect">
@@ -3125,7 +3130,6 @@
               <a:rPr lang="es-ES" sz="1100" dirty="0" smtClean="0"/>
               <a:t>&gt;</a:t>
             </a:r>
-            <a:endParaRPr lang="es-ES" sz="1100" dirty="0" smtClean="0"/>
           </a:p>
           <a:p>
             <a:r>
@@ -3809,8 +3813,8 @@
         </p:nvCxnSpPr>
         <p:spPr>
           <a:xfrm flipV="1">
-            <a:off x="2258676" y="1649780"/>
-            <a:ext cx="192424" cy="297942"/>
+            <a:off x="2258676" y="1625055"/>
+            <a:ext cx="8274" cy="322667"/>
           </a:xfrm>
           <a:prstGeom prst="straightConnector1">
             <a:avLst/>
@@ -3841,9 +3845,9 @@
           <p:nvPr/>
         </p:nvCxnSpPr>
         <p:spPr>
-          <a:xfrm flipH="1" flipV="1">
-            <a:off x="3639862" y="1638648"/>
-            <a:ext cx="248148" cy="298175"/>
+          <a:xfrm flipV="1">
+            <a:off x="3644860" y="1607749"/>
+            <a:ext cx="8681" cy="341880"/>
           </a:xfrm>
           <a:prstGeom prst="straightConnector1">
             <a:avLst/>
@@ -4081,14 +4085,12 @@
       <p:cxnSp>
         <p:nvCxnSpPr>
           <p:cNvPr id="74" name="Conector recto de flecha 73"/>
-          <p:cNvCxnSpPr>
-            <a:stCxn id="71" idx="1"/>
-          </p:cNvCxnSpPr>
+          <p:cNvCxnSpPr/>
           <p:nvPr/>
         </p:nvCxnSpPr>
         <p:spPr>
           <a:xfrm flipH="1">
-            <a:off x="3776134" y="775357"/>
+            <a:off x="3776134" y="775778"/>
             <a:ext cx="2269066" cy="154391"/>
           </a:xfrm>
           <a:prstGeom prst="straightConnector1">
@@ -4121,8 +4123,8 @@
         </p:nvCxnSpPr>
         <p:spPr>
           <a:xfrm flipH="1" flipV="1">
-            <a:off x="3763936" y="1053150"/>
-            <a:ext cx="1849464" cy="1007895"/>
+            <a:off x="3792836" y="1270401"/>
+            <a:ext cx="1790122" cy="764113"/>
           </a:xfrm>
           <a:prstGeom prst="straightConnector1">
             <a:avLst/>
@@ -4295,7 +4297,7 @@
         </p:nvSpPr>
         <p:spPr>
           <a:xfrm>
-            <a:off x="7482533" y="2048208"/>
+            <a:off x="8212783" y="2042093"/>
             <a:ext cx="1642532" cy="321010"/>
           </a:xfrm>
           <a:prstGeom prst="rect">
@@ -4341,7 +4343,7 @@
         </p:nvSpPr>
         <p:spPr>
           <a:xfrm>
-            <a:off x="7482533" y="1748042"/>
+            <a:off x="8212783" y="1741927"/>
             <a:ext cx="1642532" cy="285437"/>
           </a:xfrm>
           <a:prstGeom prst="rect">
@@ -4383,7 +4385,7 @@
         </p:nvSpPr>
         <p:spPr>
           <a:xfrm>
-            <a:off x="7482533" y="2363103"/>
+            <a:off x="8212783" y="2356988"/>
             <a:ext cx="1642532" cy="384331"/>
           </a:xfrm>
           <a:prstGeom prst="rect">
@@ -4424,8 +4426,8 @@
         </p:nvCxnSpPr>
         <p:spPr>
           <a:xfrm flipH="1">
-            <a:off x="7255932" y="2208713"/>
-            <a:ext cx="226601" cy="0"/>
+            <a:off x="7255932" y="2202598"/>
+            <a:ext cx="956851" cy="6115"/>
           </a:xfrm>
           <a:prstGeom prst="straightConnector1">
             <a:avLst/>
@@ -4451,31 +4453,33 @@
       </p:cxnSp>
       <p:sp>
         <p:nvSpPr>
-          <p:cNvPr id="128" name="Rectángulo 127"/>
+          <p:cNvPr id="39" name="Decisión 38"/>
           <p:cNvSpPr/>
           <p:nvPr/>
         </p:nvSpPr>
         <p:spPr>
           <a:xfrm>
-            <a:off x="5715312" y="3702116"/>
-            <a:ext cx="1767221" cy="305313"/>
-          </a:xfrm>
-          <a:prstGeom prst="rect">
+            <a:off x="3752851" y="780733"/>
+            <a:ext cx="311476" cy="254549"/>
+          </a:xfrm>
+          <a:prstGeom prst="flowChartDecision">
             <a:avLst/>
           </a:prstGeom>
         </p:spPr>
         <p:style>
           <a:lnRef idx="2">
-            <a:schemeClr val="dk1"/>
+            <a:schemeClr val="accent1">
+              <a:shade val="50000"/>
+            </a:schemeClr>
           </a:lnRef>
           <a:fillRef idx="1">
-            <a:schemeClr val="lt1"/>
+            <a:schemeClr val="accent1"/>
           </a:fillRef>
           <a:effectRef idx="0">
-            <a:schemeClr val="dk1"/>
+            <a:schemeClr val="accent1"/>
           </a:effectRef>
           <a:fontRef idx="minor">
-            <a:schemeClr val="dk1"/>
+            <a:schemeClr val="lt1"/>
           </a:fontRef>
         </p:style>
         <p:txBody>
@@ -4483,57 +4487,39 @@
           <a:lstStyle/>
           <a:p>
             <a:pPr algn="ctr"/>
-            <a:r>
-              <a:rPr lang="es-ES" sz="1100" dirty="0" smtClean="0"/>
-              <a:t>-Tipo: </a:t>
-            </a:r>
-            <a:r>
-              <a:rPr lang="es-ES" sz="1100" dirty="0" err="1" smtClean="0"/>
-              <a:t>str</a:t>
-            </a:r>
-            <a:endParaRPr lang="es-ES" sz="1100" dirty="0" smtClean="0"/>
-          </a:p>
-          <a:p>
-            <a:pPr algn="ctr"/>
-            <a:r>
-              <a:rPr lang="es-ES" sz="1100" dirty="0" smtClean="0"/>
-              <a:t>-Daño: </a:t>
-            </a:r>
-            <a:r>
-              <a:rPr lang="es-ES" sz="1100" dirty="0" err="1" smtClean="0"/>
-              <a:t>int</a:t>
-            </a:r>
-            <a:endParaRPr lang="es-ES" sz="1100" dirty="0" smtClean="0"/>
-          </a:p>
-        </p:txBody>
-      </p:sp>
-      <p:sp>
-        <p:nvSpPr>
-          <p:cNvPr id="129" name="Rectángulo 128"/>
+            <a:endParaRPr lang="es-ES"/>
+          </a:p>
+        </p:txBody>
+      </p:sp>
+      <p:sp>
+        <p:nvSpPr>
+          <p:cNvPr id="41" name="Decisión 40"/>
           <p:cNvSpPr/>
           <p:nvPr/>
         </p:nvSpPr>
         <p:spPr>
           <a:xfrm>
-            <a:off x="5715313" y="3404500"/>
-            <a:ext cx="1767220" cy="285437"/>
-          </a:xfrm>
-          <a:prstGeom prst="rect">
+            <a:off x="3776134" y="1174635"/>
+            <a:ext cx="275080" cy="229507"/>
+          </a:xfrm>
+          <a:prstGeom prst="flowChartDecision">
             <a:avLst/>
           </a:prstGeom>
         </p:spPr>
         <p:style>
           <a:lnRef idx="2">
-            <a:schemeClr val="dk1"/>
+            <a:schemeClr val="accent1">
+              <a:shade val="50000"/>
+            </a:schemeClr>
           </a:lnRef>
           <a:fillRef idx="1">
-            <a:schemeClr val="lt1"/>
+            <a:schemeClr val="accent1"/>
           </a:fillRef>
           <a:effectRef idx="0">
-            <a:schemeClr val="dk1"/>
+            <a:schemeClr val="accent1"/>
           </a:effectRef>
           <a:fontRef idx="minor">
-            <a:schemeClr val="dk1"/>
+            <a:schemeClr val="lt1"/>
           </a:fontRef>
         </p:style>
         <p:txBody>
@@ -4541,40 +4527,39 @@
           <a:lstStyle/>
           <a:p>
             <a:pPr algn="ctr"/>
-            <a:r>
-              <a:rPr lang="es-ES" sz="1100" dirty="0" smtClean="0"/>
-              <a:t>Arma</a:t>
-            </a:r>
-          </a:p>
-        </p:txBody>
-      </p:sp>
-      <p:sp>
-        <p:nvSpPr>
-          <p:cNvPr id="130" name="Rectángulo 129"/>
+            <a:endParaRPr lang="es-ES"/>
+          </a:p>
+        </p:txBody>
+      </p:sp>
+      <p:sp>
+        <p:nvSpPr>
+          <p:cNvPr id="44" name="Decisión 43"/>
           <p:cNvSpPr/>
           <p:nvPr/>
         </p:nvSpPr>
         <p:spPr>
           <a:xfrm>
-            <a:off x="5715311" y="4021133"/>
-            <a:ext cx="1767222" cy="304073"/>
-          </a:xfrm>
-          <a:prstGeom prst="rect">
+            <a:off x="7255932" y="2105375"/>
+            <a:ext cx="311476" cy="254549"/>
+          </a:xfrm>
+          <a:prstGeom prst="flowChartDecision">
             <a:avLst/>
           </a:prstGeom>
         </p:spPr>
         <p:style>
           <a:lnRef idx="2">
-            <a:schemeClr val="dk1"/>
+            <a:schemeClr val="accent1">
+              <a:shade val="50000"/>
+            </a:schemeClr>
           </a:lnRef>
           <a:fillRef idx="1">
-            <a:schemeClr val="lt1"/>
+            <a:schemeClr val="accent1"/>
           </a:fillRef>
           <a:effectRef idx="0">
-            <a:schemeClr val="dk1"/>
+            <a:schemeClr val="accent1"/>
           </a:effectRef>
           <a:fontRef idx="minor">
-            <a:schemeClr val="dk1"/>
+            <a:schemeClr val="lt1"/>
           </a:fontRef>
         </p:style>
         <p:txBody>
@@ -4582,11 +4567,7 @@
           <a:lstStyle/>
           <a:p>
             <a:pPr algn="ctr"/>
-            <a:r>
-              <a:rPr lang="es-ES" sz="1100" dirty="0" smtClean="0"/>
-              <a:t>+Disparar()</a:t>
-            </a:r>
-            <a:endParaRPr lang="es-ES" sz="1100" dirty="0"/>
+            <a:endParaRPr lang="es-ES"/>
           </a:p>
         </p:txBody>
       </p:sp>
@@ -4780,7 +4761,7 @@
         </p:nvSpPr>
         <p:spPr>
           <a:xfrm>
-            <a:off x="3147602" y="961549"/>
+            <a:off x="3147602" y="943834"/>
             <a:ext cx="1642532" cy="574533"/>
           </a:xfrm>
           <a:prstGeom prst="rect">
@@ -4853,7 +4834,7 @@
         </p:nvSpPr>
         <p:spPr>
           <a:xfrm>
-            <a:off x="3147602" y="661384"/>
+            <a:off x="3147602" y="667556"/>
             <a:ext cx="1642532" cy="285437"/>
           </a:xfrm>
           <a:prstGeom prst="rect">
@@ -5506,6 +5487,333 @@
           </a:fontRef>
         </p:style>
       </p:cxnSp>
+      <p:cxnSp>
+        <p:nvCxnSpPr>
+          <p:cNvPr id="3" name="Conector recto de flecha 2"/>
+          <p:cNvCxnSpPr/>
+          <p:nvPr/>
+        </p:nvCxnSpPr>
+        <p:spPr>
+          <a:xfrm flipH="1">
+            <a:off x="4790134" y="1105620"/>
+            <a:ext cx="1246192" cy="18967"/>
+          </a:xfrm>
+          <a:prstGeom prst="straightConnector1">
+            <a:avLst/>
+          </a:prstGeom>
+          <a:ln>
+            <a:tailEnd type="triangle"/>
+          </a:ln>
+        </p:spPr>
+        <p:style>
+          <a:lnRef idx="2">
+            <a:schemeClr val="dk1"/>
+          </a:lnRef>
+          <a:fillRef idx="0">
+            <a:schemeClr val="dk1"/>
+          </a:fillRef>
+          <a:effectRef idx="1">
+            <a:schemeClr val="dk1"/>
+          </a:effectRef>
+          <a:fontRef idx="minor">
+            <a:schemeClr val="tx1"/>
+          </a:fontRef>
+        </p:style>
+      </p:cxnSp>
+      <p:sp>
+        <p:nvSpPr>
+          <p:cNvPr id="17" name="Decisión 16"/>
+          <p:cNvSpPr/>
+          <p:nvPr/>
+        </p:nvSpPr>
+        <p:spPr>
+          <a:xfrm>
+            <a:off x="4743125" y="974722"/>
+            <a:ext cx="311476" cy="254549"/>
+          </a:xfrm>
+          <a:prstGeom prst="flowChartDecision">
+            <a:avLst/>
+          </a:prstGeom>
+        </p:spPr>
+        <p:style>
+          <a:lnRef idx="2">
+            <a:schemeClr val="accent1">
+              <a:shade val="50000"/>
+            </a:schemeClr>
+          </a:lnRef>
+          <a:fillRef idx="1">
+            <a:schemeClr val="accent1"/>
+          </a:fillRef>
+          <a:effectRef idx="0">
+            <a:schemeClr val="accent1"/>
+          </a:effectRef>
+          <a:fontRef idx="minor">
+            <a:schemeClr val="lt1"/>
+          </a:fontRef>
+        </p:style>
+        <p:txBody>
+          <a:bodyPr rtlCol="0" anchor="ctr"/>
+          <a:lstStyle/>
+          <a:p>
+            <a:pPr algn="ctr"/>
+            <a:endParaRPr lang="es-ES"/>
+          </a:p>
+        </p:txBody>
+      </p:sp>
+      <p:sp>
+        <p:nvSpPr>
+          <p:cNvPr id="31" name="Decisión 30"/>
+          <p:cNvSpPr/>
+          <p:nvPr/>
+        </p:nvSpPr>
+        <p:spPr>
+          <a:xfrm>
+            <a:off x="2639598" y="974722"/>
+            <a:ext cx="311476" cy="254549"/>
+          </a:xfrm>
+          <a:prstGeom prst="flowChartDecision">
+            <a:avLst/>
+          </a:prstGeom>
+        </p:spPr>
+        <p:style>
+          <a:lnRef idx="2">
+            <a:schemeClr val="accent1">
+              <a:shade val="50000"/>
+            </a:schemeClr>
+          </a:lnRef>
+          <a:fillRef idx="1">
+            <a:schemeClr val="accent1"/>
+          </a:fillRef>
+          <a:effectRef idx="0">
+            <a:schemeClr val="accent1"/>
+          </a:effectRef>
+          <a:fontRef idx="minor">
+            <a:schemeClr val="lt1"/>
+          </a:fontRef>
+        </p:style>
+        <p:txBody>
+          <a:bodyPr rtlCol="0" anchor="ctr"/>
+          <a:lstStyle/>
+          <a:p>
+            <a:pPr algn="ctr"/>
+            <a:endParaRPr lang="es-ES"/>
+          </a:p>
+        </p:txBody>
+      </p:sp>
+      <p:sp>
+        <p:nvSpPr>
+          <p:cNvPr id="32" name="Rectángulo 31"/>
+          <p:cNvSpPr/>
+          <p:nvPr/>
+        </p:nvSpPr>
+        <p:spPr>
+          <a:xfrm>
+            <a:off x="9127379" y="965172"/>
+            <a:ext cx="1767221" cy="305313"/>
+          </a:xfrm>
+          <a:prstGeom prst="rect">
+            <a:avLst/>
+          </a:prstGeom>
+        </p:spPr>
+        <p:style>
+          <a:lnRef idx="2">
+            <a:schemeClr val="dk1"/>
+          </a:lnRef>
+          <a:fillRef idx="1">
+            <a:schemeClr val="lt1"/>
+          </a:fillRef>
+          <a:effectRef idx="0">
+            <a:schemeClr val="dk1"/>
+          </a:effectRef>
+          <a:fontRef idx="minor">
+            <a:schemeClr val="dk1"/>
+          </a:fontRef>
+        </p:style>
+        <p:txBody>
+          <a:bodyPr rtlCol="0" anchor="ctr"/>
+          <a:lstStyle/>
+          <a:p>
+            <a:pPr algn="ctr"/>
+            <a:r>
+              <a:rPr lang="es-ES" sz="1100" dirty="0" smtClean="0"/>
+              <a:t>-Tipo: </a:t>
+            </a:r>
+            <a:r>
+              <a:rPr lang="es-ES" sz="1100" dirty="0" err="1" smtClean="0"/>
+              <a:t>str</a:t>
+            </a:r>
+            <a:endParaRPr lang="es-ES" sz="1100" dirty="0" smtClean="0"/>
+          </a:p>
+          <a:p>
+            <a:pPr algn="ctr"/>
+            <a:r>
+              <a:rPr lang="es-ES" sz="1100" dirty="0" smtClean="0"/>
+              <a:t>-Daño: </a:t>
+            </a:r>
+            <a:r>
+              <a:rPr lang="es-ES" sz="1100" dirty="0" err="1" smtClean="0"/>
+              <a:t>int</a:t>
+            </a:r>
+            <a:endParaRPr lang="es-ES" sz="1100" dirty="0" smtClean="0"/>
+          </a:p>
+        </p:txBody>
+      </p:sp>
+      <p:sp>
+        <p:nvSpPr>
+          <p:cNvPr id="33" name="Rectángulo 32"/>
+          <p:cNvSpPr/>
+          <p:nvPr/>
+        </p:nvSpPr>
+        <p:spPr>
+          <a:xfrm>
+            <a:off x="9127380" y="667556"/>
+            <a:ext cx="1767220" cy="285437"/>
+          </a:xfrm>
+          <a:prstGeom prst="rect">
+            <a:avLst/>
+          </a:prstGeom>
+        </p:spPr>
+        <p:style>
+          <a:lnRef idx="2">
+            <a:schemeClr val="dk1"/>
+          </a:lnRef>
+          <a:fillRef idx="1">
+            <a:schemeClr val="lt1"/>
+          </a:fillRef>
+          <a:effectRef idx="0">
+            <a:schemeClr val="dk1"/>
+          </a:effectRef>
+          <a:fontRef idx="minor">
+            <a:schemeClr val="dk1"/>
+          </a:fontRef>
+        </p:style>
+        <p:txBody>
+          <a:bodyPr rtlCol="0" anchor="ctr"/>
+          <a:lstStyle/>
+          <a:p>
+            <a:pPr algn="ctr"/>
+            <a:r>
+              <a:rPr lang="es-ES" sz="1100" dirty="0" smtClean="0"/>
+              <a:t>Arma</a:t>
+            </a:r>
+          </a:p>
+        </p:txBody>
+      </p:sp>
+      <p:sp>
+        <p:nvSpPr>
+          <p:cNvPr id="34" name="Rectángulo 33"/>
+          <p:cNvSpPr/>
+          <p:nvPr/>
+        </p:nvSpPr>
+        <p:spPr>
+          <a:xfrm>
+            <a:off x="9127378" y="1284189"/>
+            <a:ext cx="1767222" cy="304073"/>
+          </a:xfrm>
+          <a:prstGeom prst="rect">
+            <a:avLst/>
+          </a:prstGeom>
+        </p:spPr>
+        <p:style>
+          <a:lnRef idx="2">
+            <a:schemeClr val="dk1"/>
+          </a:lnRef>
+          <a:fillRef idx="1">
+            <a:schemeClr val="lt1"/>
+          </a:fillRef>
+          <a:effectRef idx="0">
+            <a:schemeClr val="dk1"/>
+          </a:effectRef>
+          <a:fontRef idx="minor">
+            <a:schemeClr val="dk1"/>
+          </a:fontRef>
+        </p:style>
+        <p:txBody>
+          <a:bodyPr rtlCol="0" anchor="ctr"/>
+          <a:lstStyle/>
+          <a:p>
+            <a:pPr algn="ctr"/>
+            <a:r>
+              <a:rPr lang="es-ES" sz="1100" dirty="0" smtClean="0"/>
+              <a:t>+Disparar()</a:t>
+            </a:r>
+            <a:endParaRPr lang="es-ES" sz="1100" dirty="0"/>
+          </a:p>
+        </p:txBody>
+      </p:sp>
+      <p:cxnSp>
+        <p:nvCxnSpPr>
+          <p:cNvPr id="38" name="Conector recto de flecha 37"/>
+          <p:cNvCxnSpPr/>
+          <p:nvPr/>
+        </p:nvCxnSpPr>
+        <p:spPr>
+          <a:xfrm flipH="1">
+            <a:off x="7842367" y="1035134"/>
+            <a:ext cx="1246192" cy="18967"/>
+          </a:xfrm>
+          <a:prstGeom prst="straightConnector1">
+            <a:avLst/>
+          </a:prstGeom>
+          <a:ln>
+            <a:tailEnd type="triangle"/>
+          </a:ln>
+        </p:spPr>
+        <p:style>
+          <a:lnRef idx="2">
+            <a:schemeClr val="dk1"/>
+          </a:lnRef>
+          <a:fillRef idx="0">
+            <a:schemeClr val="dk1"/>
+          </a:fillRef>
+          <a:effectRef idx="1">
+            <a:schemeClr val="dk1"/>
+          </a:effectRef>
+          <a:fontRef idx="minor">
+            <a:schemeClr val="tx1"/>
+          </a:fontRef>
+        </p:style>
+      </p:cxnSp>
+      <p:sp>
+        <p:nvSpPr>
+          <p:cNvPr id="39" name="Decisión 38"/>
+          <p:cNvSpPr/>
+          <p:nvPr/>
+        </p:nvSpPr>
+        <p:spPr>
+          <a:xfrm>
+            <a:off x="7786615" y="907859"/>
+            <a:ext cx="311476" cy="254549"/>
+          </a:xfrm>
+          <a:prstGeom prst="flowChartDecision">
+            <a:avLst/>
+          </a:prstGeom>
+        </p:spPr>
+        <p:style>
+          <a:lnRef idx="2">
+            <a:schemeClr val="accent1">
+              <a:shade val="50000"/>
+            </a:schemeClr>
+          </a:lnRef>
+          <a:fillRef idx="1">
+            <a:schemeClr val="accent1"/>
+          </a:fillRef>
+          <a:effectRef idx="0">
+            <a:schemeClr val="accent1"/>
+          </a:effectRef>
+          <a:fontRef idx="minor">
+            <a:schemeClr val="lt1"/>
+          </a:fontRef>
+        </p:style>
+        <p:txBody>
+          <a:bodyPr rtlCol="0" anchor="ctr"/>
+          <a:lstStyle/>
+          <a:p>
+            <a:pPr algn="ctr"/>
+            <a:endParaRPr lang="es-ES"/>
+          </a:p>
+        </p:txBody>
+      </p:sp>
     </p:spTree>
     <p:extLst>
       <p:ext uri="{BB962C8B-B14F-4D97-AF65-F5344CB8AC3E}">

--- a/DiagramaJuego.pptx
+++ b/DiagramaJuego.pptx
@@ -6,7 +6,6 @@
   </p:sldMasterIdLst>
   <p:sldIdLst>
     <p:sldId id="256" r:id="rId2"/>
-    <p:sldId id="257" r:id="rId3"/>
   </p:sldIdLst>
   <p:sldSz cx="12192000" cy="6858000"/>
   <p:notesSz cx="6858000" cy="9144000"/>
@@ -244,7 +243,7 @@
           <a:p>
             <a:fld id="{D96251D8-582E-4F71-8790-964B5AA9A609}" type="datetimeFigureOut">
               <a:rPr lang="es-ES" smtClean="0"/>
-              <a:t>04/11/2024</a:t>
+              <a:t>05/11/2024</a:t>
             </a:fld>
             <a:endParaRPr lang="es-ES"/>
           </a:p>
@@ -414,7 +413,7 @@
           <a:p>
             <a:fld id="{D96251D8-582E-4F71-8790-964B5AA9A609}" type="datetimeFigureOut">
               <a:rPr lang="es-ES" smtClean="0"/>
-              <a:t>04/11/2024</a:t>
+              <a:t>05/11/2024</a:t>
             </a:fld>
             <a:endParaRPr lang="es-ES"/>
           </a:p>
@@ -594,7 +593,7 @@
           <a:p>
             <a:fld id="{D96251D8-582E-4F71-8790-964B5AA9A609}" type="datetimeFigureOut">
               <a:rPr lang="es-ES" smtClean="0"/>
-              <a:t>04/11/2024</a:t>
+              <a:t>05/11/2024</a:t>
             </a:fld>
             <a:endParaRPr lang="es-ES"/>
           </a:p>
@@ -764,7 +763,7 @@
           <a:p>
             <a:fld id="{D96251D8-582E-4F71-8790-964B5AA9A609}" type="datetimeFigureOut">
               <a:rPr lang="es-ES" smtClean="0"/>
-              <a:t>04/11/2024</a:t>
+              <a:t>05/11/2024</a:t>
             </a:fld>
             <a:endParaRPr lang="es-ES"/>
           </a:p>
@@ -1010,7 +1009,7 @@
           <a:p>
             <a:fld id="{D96251D8-582E-4F71-8790-964B5AA9A609}" type="datetimeFigureOut">
               <a:rPr lang="es-ES" smtClean="0"/>
-              <a:t>04/11/2024</a:t>
+              <a:t>05/11/2024</a:t>
             </a:fld>
             <a:endParaRPr lang="es-ES"/>
           </a:p>
@@ -1242,7 +1241,7 @@
           <a:p>
             <a:fld id="{D96251D8-582E-4F71-8790-964B5AA9A609}" type="datetimeFigureOut">
               <a:rPr lang="es-ES" smtClean="0"/>
-              <a:t>04/11/2024</a:t>
+              <a:t>05/11/2024</a:t>
             </a:fld>
             <a:endParaRPr lang="es-ES"/>
           </a:p>
@@ -1609,7 +1608,7 @@
           <a:p>
             <a:fld id="{D96251D8-582E-4F71-8790-964B5AA9A609}" type="datetimeFigureOut">
               <a:rPr lang="es-ES" smtClean="0"/>
-              <a:t>04/11/2024</a:t>
+              <a:t>05/11/2024</a:t>
             </a:fld>
             <a:endParaRPr lang="es-ES"/>
           </a:p>
@@ -1727,7 +1726,7 @@
           <a:p>
             <a:fld id="{D96251D8-582E-4F71-8790-964B5AA9A609}" type="datetimeFigureOut">
               <a:rPr lang="es-ES" smtClean="0"/>
-              <a:t>04/11/2024</a:t>
+              <a:t>05/11/2024</a:t>
             </a:fld>
             <a:endParaRPr lang="es-ES"/>
           </a:p>
@@ -1822,7 +1821,7 @@
           <a:p>
             <a:fld id="{D96251D8-582E-4F71-8790-964B5AA9A609}" type="datetimeFigureOut">
               <a:rPr lang="es-ES" smtClean="0"/>
-              <a:t>04/11/2024</a:t>
+              <a:t>05/11/2024</a:t>
             </a:fld>
             <a:endParaRPr lang="es-ES"/>
           </a:p>
@@ -2099,7 +2098,7 @@
           <a:p>
             <a:fld id="{D96251D8-582E-4F71-8790-964B5AA9A609}" type="datetimeFigureOut">
               <a:rPr lang="es-ES" smtClean="0"/>
-              <a:t>04/11/2024</a:t>
+              <a:t>05/11/2024</a:t>
             </a:fld>
             <a:endParaRPr lang="es-ES"/>
           </a:p>
@@ -2352,7 +2351,7 @@
           <a:p>
             <a:fld id="{D96251D8-582E-4F71-8790-964B5AA9A609}" type="datetimeFigureOut">
               <a:rPr lang="es-ES" smtClean="0"/>
-              <a:t>04/11/2024</a:t>
+              <a:t>05/11/2024</a:t>
             </a:fld>
             <a:endParaRPr lang="es-ES"/>
           </a:p>
@@ -2565,7 +2564,7 @@
           <a:p>
             <a:fld id="{D96251D8-582E-4F71-8790-964B5AA9A609}" type="datetimeFigureOut">
               <a:rPr lang="es-ES" smtClean="0"/>
-              <a:t>04/11/2024</a:t>
+              <a:t>05/11/2024</a:t>
             </a:fld>
             <a:endParaRPr lang="es-ES"/>
           </a:p>
@@ -2978,7 +2977,7 @@
         </p:nvSpPr>
         <p:spPr>
           <a:xfrm>
-            <a:off x="2258676" y="819053"/>
+            <a:off x="6813743" y="1631853"/>
             <a:ext cx="1517458" cy="492061"/>
           </a:xfrm>
           <a:prstGeom prst="rect">
@@ -3016,7 +3015,7 @@
         </p:nvSpPr>
         <p:spPr>
           <a:xfrm>
-            <a:off x="2258676" y="514461"/>
+            <a:off x="6813743" y="1327261"/>
             <a:ext cx="1517458" cy="293404"/>
           </a:xfrm>
           <a:prstGeom prst="rect">
@@ -3054,7 +3053,7 @@
         </p:nvSpPr>
         <p:spPr>
           <a:xfrm>
-            <a:off x="2199335" y="514461"/>
+            <a:off x="6754402" y="1327261"/>
             <a:ext cx="1267766" cy="261610"/>
           </a:xfrm>
           <a:prstGeom prst="rect">
@@ -3088,7 +3087,7 @@
         </p:nvSpPr>
         <p:spPr>
           <a:xfrm>
-            <a:off x="2199334" y="843780"/>
+            <a:off x="6754401" y="1656580"/>
             <a:ext cx="2156422" cy="430887"/>
           </a:xfrm>
           <a:prstGeom prst="rect">
@@ -3152,7 +3151,7 @@
         </p:nvSpPr>
         <p:spPr>
           <a:xfrm>
-            <a:off x="2258676" y="1295545"/>
+            <a:off x="6813743" y="2108345"/>
             <a:ext cx="1517458" cy="354235"/>
           </a:xfrm>
           <a:prstGeom prst="rect">
@@ -3190,7 +3189,7 @@
         </p:nvSpPr>
         <p:spPr>
           <a:xfrm>
-            <a:off x="2199334" y="1304341"/>
+            <a:off x="6754401" y="2117141"/>
             <a:ext cx="1534160" cy="261610"/>
           </a:xfrm>
           <a:prstGeom prst="rect">
@@ -3220,7 +3219,7 @@
         </p:nvSpPr>
         <p:spPr>
           <a:xfrm>
-            <a:off x="1594351" y="2258267"/>
+            <a:off x="6149418" y="3071067"/>
             <a:ext cx="1328649" cy="319340"/>
           </a:xfrm>
           <a:prstGeom prst="rect">
@@ -3266,7 +3265,7 @@
         </p:nvSpPr>
         <p:spPr>
           <a:xfrm>
-            <a:off x="1594350" y="1947722"/>
+            <a:off x="6149417" y="2760522"/>
             <a:ext cx="1328651" cy="299647"/>
           </a:xfrm>
           <a:prstGeom prst="rect">
@@ -3308,7 +3307,7 @@
         </p:nvSpPr>
         <p:spPr>
           <a:xfrm>
-            <a:off x="1594349" y="2577607"/>
+            <a:off x="6149416" y="3390407"/>
             <a:ext cx="1328651" cy="622794"/>
           </a:xfrm>
           <a:prstGeom prst="rect">
@@ -3388,7 +3387,7 @@
         </p:nvSpPr>
         <p:spPr>
           <a:xfrm>
-            <a:off x="3467102" y="2258268"/>
+            <a:off x="8022169" y="3071068"/>
             <a:ext cx="1328651" cy="243634"/>
           </a:xfrm>
           <a:prstGeom prst="rect">
@@ -3434,7 +3433,7 @@
         </p:nvSpPr>
         <p:spPr>
           <a:xfrm>
-            <a:off x="3467102" y="1947722"/>
+            <a:off x="8022169" y="2760522"/>
             <a:ext cx="1328651" cy="299647"/>
           </a:xfrm>
           <a:prstGeom prst="rect">
@@ -3476,7 +3475,7 @@
         </p:nvSpPr>
         <p:spPr>
           <a:xfrm>
-            <a:off x="3467101" y="2501902"/>
+            <a:off x="8022168" y="3314702"/>
             <a:ext cx="1328652" cy="643466"/>
           </a:xfrm>
           <a:prstGeom prst="rect">
@@ -3547,7 +3546,7 @@
         </p:nvSpPr>
         <p:spPr>
           <a:xfrm>
-            <a:off x="1566950" y="3759438"/>
+            <a:off x="6122017" y="4572238"/>
             <a:ext cx="1328651" cy="492061"/>
           </a:xfrm>
           <a:prstGeom prst="rect">
@@ -3589,7 +3588,7 @@
         </p:nvSpPr>
         <p:spPr>
           <a:xfrm>
-            <a:off x="1566950" y="3448893"/>
+            <a:off x="6122017" y="4261693"/>
             <a:ext cx="1328651" cy="299647"/>
           </a:xfrm>
           <a:prstGeom prst="rect">
@@ -3631,7 +3630,7 @@
         </p:nvSpPr>
         <p:spPr>
           <a:xfrm>
-            <a:off x="1566950" y="4251499"/>
+            <a:off x="6122017" y="5064299"/>
             <a:ext cx="1328651" cy="345440"/>
           </a:xfrm>
           <a:prstGeom prst="rect">
@@ -3681,7 +3680,7 @@
         </p:nvSpPr>
         <p:spPr>
           <a:xfrm>
-            <a:off x="3467101" y="3759439"/>
+            <a:off x="8022168" y="4572239"/>
             <a:ext cx="1328651" cy="238052"/>
           </a:xfrm>
           <a:prstGeom prst="rect">
@@ -3719,7 +3718,7 @@
         </p:nvSpPr>
         <p:spPr>
           <a:xfrm>
-            <a:off x="3467101" y="3448893"/>
+            <a:off x="8022168" y="4261693"/>
             <a:ext cx="1328651" cy="299647"/>
           </a:xfrm>
           <a:prstGeom prst="rect">
@@ -3761,7 +3760,7 @@
         </p:nvSpPr>
         <p:spPr>
           <a:xfrm>
-            <a:off x="3467101" y="4008390"/>
+            <a:off x="8022168" y="4821190"/>
             <a:ext cx="1328651" cy="491334"/>
           </a:xfrm>
           <a:prstGeom prst="rect">
@@ -3813,7 +3812,7 @@
         </p:nvCxnSpPr>
         <p:spPr>
           <a:xfrm flipV="1">
-            <a:off x="2258676" y="1625055"/>
+            <a:off x="6813743" y="2437855"/>
             <a:ext cx="8274" cy="322667"/>
           </a:xfrm>
           <a:prstGeom prst="straightConnector1">
@@ -3846,8 +3845,8 @@
         </p:nvCxnSpPr>
         <p:spPr>
           <a:xfrm flipV="1">
-            <a:off x="3644860" y="1607749"/>
-            <a:ext cx="8681" cy="341880"/>
+            <a:off x="8199927" y="2462580"/>
+            <a:ext cx="1964" cy="299849"/>
           </a:xfrm>
           <a:prstGeom prst="straightConnector1">
             <a:avLst/>
@@ -3879,7 +3878,7 @@
         </p:nvCxnSpPr>
         <p:spPr>
           <a:xfrm flipH="1" flipV="1">
-            <a:off x="2258674" y="3199009"/>
+            <a:off x="6813741" y="4011809"/>
             <a:ext cx="8276" cy="251277"/>
           </a:xfrm>
           <a:prstGeom prst="straightConnector1">
@@ -3912,186 +3911,8 @@
         </p:nvCxnSpPr>
         <p:spPr>
           <a:xfrm flipH="1" flipV="1">
-            <a:off x="4131426" y="3134397"/>
+            <a:off x="8686493" y="3947197"/>
             <a:ext cx="535" cy="303597"/>
-          </a:xfrm>
-          <a:prstGeom prst="straightConnector1">
-            <a:avLst/>
-          </a:prstGeom>
-          <a:ln>
-            <a:tailEnd type="triangle"/>
-          </a:ln>
-        </p:spPr>
-        <p:style>
-          <a:lnRef idx="2">
-            <a:schemeClr val="dk1"/>
-          </a:lnRef>
-          <a:fillRef idx="0">
-            <a:schemeClr val="dk1"/>
-          </a:fillRef>
-          <a:effectRef idx="1">
-            <a:schemeClr val="dk1"/>
-          </a:effectRef>
-          <a:fontRef idx="minor">
-            <a:schemeClr val="tx1"/>
-          </a:fontRef>
-        </p:style>
-      </p:cxnSp>
-      <p:sp>
-        <p:nvSpPr>
-          <p:cNvPr id="71" name="Rectángulo 70"/>
-          <p:cNvSpPr/>
-          <p:nvPr/>
-        </p:nvSpPr>
-        <p:spPr>
-          <a:xfrm>
-            <a:off x="6045200" y="614852"/>
-            <a:ext cx="1642532" cy="321010"/>
-          </a:xfrm>
-          <a:prstGeom prst="rect">
-            <a:avLst/>
-          </a:prstGeom>
-        </p:spPr>
-        <p:style>
-          <a:lnRef idx="2">
-            <a:schemeClr val="dk1"/>
-          </a:lnRef>
-          <a:fillRef idx="1">
-            <a:schemeClr val="lt1"/>
-          </a:fillRef>
-          <a:effectRef idx="0">
-            <a:schemeClr val="dk1"/>
-          </a:effectRef>
-          <a:fontRef idx="minor">
-            <a:schemeClr val="dk1"/>
-          </a:fontRef>
-        </p:style>
-        <p:txBody>
-          <a:bodyPr rtlCol="0" anchor="ctr"/>
-          <a:lstStyle/>
-          <a:p>
-            <a:pPr algn="ctr"/>
-            <a:r>
-              <a:rPr lang="es-ES" sz="1100" dirty="0" smtClean="0"/>
-              <a:t>-Tipo: </a:t>
-            </a:r>
-            <a:r>
-              <a:rPr lang="es-ES" sz="1100" dirty="0" err="1" smtClean="0"/>
-              <a:t>str</a:t>
-            </a:r>
-            <a:endParaRPr lang="es-ES" sz="1100" dirty="0" smtClean="0"/>
-          </a:p>
-        </p:txBody>
-      </p:sp>
-      <p:sp>
-        <p:nvSpPr>
-          <p:cNvPr id="72" name="Rectángulo 71"/>
-          <p:cNvSpPr/>
-          <p:nvPr/>
-        </p:nvSpPr>
-        <p:spPr>
-          <a:xfrm>
-            <a:off x="6045200" y="314686"/>
-            <a:ext cx="1642532" cy="285437"/>
-          </a:xfrm>
-          <a:prstGeom prst="rect">
-            <a:avLst/>
-          </a:prstGeom>
-        </p:spPr>
-        <p:style>
-          <a:lnRef idx="2">
-            <a:schemeClr val="dk1"/>
-          </a:lnRef>
-          <a:fillRef idx="1">
-            <a:schemeClr val="lt1"/>
-          </a:fillRef>
-          <a:effectRef idx="0">
-            <a:schemeClr val="dk1"/>
-          </a:effectRef>
-          <a:fontRef idx="minor">
-            <a:schemeClr val="dk1"/>
-          </a:fontRef>
-        </p:style>
-        <p:txBody>
-          <a:bodyPr rtlCol="0" anchor="ctr"/>
-          <a:lstStyle/>
-          <a:p>
-            <a:pPr algn="ctr"/>
-            <a:r>
-              <a:rPr lang="es-ES" sz="1100" dirty="0" err="1" smtClean="0"/>
-              <a:t>Obstaculo</a:t>
-            </a:r>
-            <a:endParaRPr lang="es-ES" sz="1100" dirty="0"/>
-          </a:p>
-        </p:txBody>
-      </p:sp>
-      <p:sp>
-        <p:nvSpPr>
-          <p:cNvPr id="73" name="Rectángulo 72"/>
-          <p:cNvSpPr/>
-          <p:nvPr/>
-        </p:nvSpPr>
-        <p:spPr>
-          <a:xfrm>
-            <a:off x="6045200" y="929747"/>
-            <a:ext cx="1642532" cy="451803"/>
-          </a:xfrm>
-          <a:prstGeom prst="rect">
-            <a:avLst/>
-          </a:prstGeom>
-        </p:spPr>
-        <p:style>
-          <a:lnRef idx="2">
-            <a:schemeClr val="dk1"/>
-          </a:lnRef>
-          <a:fillRef idx="1">
-            <a:schemeClr val="lt1"/>
-          </a:fillRef>
-          <a:effectRef idx="0">
-            <a:schemeClr val="dk1"/>
-          </a:effectRef>
-          <a:fontRef idx="minor">
-            <a:schemeClr val="dk1"/>
-          </a:fontRef>
-        </p:style>
-        <p:txBody>
-          <a:bodyPr rtlCol="0" anchor="ctr"/>
-          <a:lstStyle/>
-          <a:p>
-            <a:pPr algn="ctr"/>
-            <a:r>
-              <a:rPr lang="es-ES" sz="1100" dirty="0" smtClean="0"/>
-              <a:t>+</a:t>
-            </a:r>
-            <a:r>
-              <a:rPr lang="es-ES" sz="1100" dirty="0" err="1" smtClean="0"/>
-              <a:t>Verificar_colision</a:t>
-            </a:r>
-            <a:r>
-              <a:rPr lang="es-ES" sz="1100" dirty="0" smtClean="0"/>
-              <a:t>()</a:t>
-            </a:r>
-          </a:p>
-          <a:p>
-            <a:pPr algn="ctr"/>
-            <a:r>
-              <a:rPr lang="es-ES" sz="1100" dirty="0" smtClean="0"/>
-              <a:t>+movimiento()</a:t>
-            </a:r>
-            <a:endParaRPr lang="es-ES" sz="1100" dirty="0"/>
-          </a:p>
-        </p:txBody>
-      </p:sp>
-      <p:cxnSp>
-        <p:nvCxnSpPr>
-          <p:cNvPr id="74" name="Conector recto de flecha 73"/>
-          <p:cNvCxnSpPr/>
-          <p:nvPr/>
-        </p:nvCxnSpPr>
-        <p:spPr>
-          <a:xfrm flipH="1">
-            <a:off x="3776134" y="775778"/>
-            <a:ext cx="2269066" cy="154391"/>
           </a:xfrm>
           <a:prstGeom prst="straightConnector1">
             <a:avLst/>
@@ -4123,8 +3944,8 @@
         </p:nvCxnSpPr>
         <p:spPr>
           <a:xfrm flipH="1" flipV="1">
-            <a:off x="3792836" y="1270401"/>
-            <a:ext cx="1790122" cy="764113"/>
+            <a:off x="8472748" y="1783060"/>
+            <a:ext cx="1788794" cy="19023"/>
           </a:xfrm>
           <a:prstGeom prst="straightConnector1">
             <a:avLst/>
@@ -4156,7 +3977,7 @@
         </p:nvSpPr>
         <p:spPr>
           <a:xfrm>
-            <a:off x="5613400" y="2048208"/>
+            <a:off x="10119249" y="1627427"/>
             <a:ext cx="1642532" cy="321010"/>
           </a:xfrm>
           <a:prstGeom prst="rect">
@@ -4206,7 +4027,7 @@
         </p:nvSpPr>
         <p:spPr>
           <a:xfrm>
-            <a:off x="5613400" y="1748042"/>
+            <a:off x="10119249" y="1327261"/>
             <a:ext cx="1642532" cy="285437"/>
           </a:xfrm>
           <a:prstGeom prst="rect">
@@ -4248,7 +4069,7 @@
         </p:nvSpPr>
         <p:spPr>
           <a:xfrm>
-            <a:off x="5613400" y="2363103"/>
+            <a:off x="10119249" y="1942322"/>
             <a:ext cx="1642532" cy="451803"/>
           </a:xfrm>
           <a:prstGeom prst="rect">
@@ -4297,7 +4118,7 @@
         </p:nvSpPr>
         <p:spPr>
           <a:xfrm>
-            <a:off x="8212783" y="2042093"/>
+            <a:off x="10119249" y="3352351"/>
             <a:ext cx="1642532" cy="321010"/>
           </a:xfrm>
           <a:prstGeom prst="rect">
@@ -4343,7 +4164,7 @@
         </p:nvSpPr>
         <p:spPr>
           <a:xfrm>
-            <a:off x="8212783" y="1741927"/>
+            <a:off x="10119249" y="3069971"/>
             <a:ext cx="1642532" cy="285437"/>
           </a:xfrm>
           <a:prstGeom prst="rect">
@@ -4385,7 +4206,7 @@
         </p:nvSpPr>
         <p:spPr>
           <a:xfrm>
-            <a:off x="8212783" y="2356988"/>
+            <a:off x="10119249" y="3667246"/>
             <a:ext cx="1642532" cy="384331"/>
           </a:xfrm>
           <a:prstGeom prst="rect">
@@ -4419,15 +4240,15 @@
         <p:nvCxnSpPr>
           <p:cNvPr id="102" name="Conector recto de flecha 101"/>
           <p:cNvCxnSpPr>
-            <a:stCxn id="98" idx="1"/>
-            <a:endCxn id="94" idx="3"/>
+            <a:stCxn id="99" idx="0"/>
+            <a:endCxn id="96" idx="2"/>
           </p:cNvCxnSpPr>
           <p:nvPr/>
         </p:nvCxnSpPr>
         <p:spPr>
-          <a:xfrm flipH="1">
-            <a:off x="7255932" y="2202598"/>
-            <a:ext cx="956851" cy="6115"/>
+          <a:xfrm flipV="1">
+            <a:off x="10940515" y="2394125"/>
+            <a:ext cx="0" cy="675846"/>
           </a:xfrm>
           <a:prstGeom prst="straightConnector1">
             <a:avLst/>
@@ -4453,14 +4274,14 @@
       </p:cxnSp>
       <p:sp>
         <p:nvSpPr>
-          <p:cNvPr id="39" name="Decisión 38"/>
+          <p:cNvPr id="41" name="Decisión 40"/>
           <p:cNvSpPr/>
           <p:nvPr/>
         </p:nvSpPr>
         <p:spPr>
           <a:xfrm>
-            <a:off x="3752851" y="780733"/>
-            <a:ext cx="311476" cy="254549"/>
+            <a:off x="2791552" y="738662"/>
+            <a:ext cx="180688" cy="145203"/>
           </a:xfrm>
           <a:prstGeom prst="flowChartDecision">
             <a:avLst/>
@@ -4493,14 +4314,784 @@
       </p:sp>
       <p:sp>
         <p:nvSpPr>
-          <p:cNvPr id="41" name="Decisión 40"/>
+          <p:cNvPr id="88" name="Rectángulo 87"/>
           <p:cNvSpPr/>
           <p:nvPr/>
         </p:nvSpPr>
         <p:spPr>
           <a:xfrm>
-            <a:off x="3776134" y="1174635"/>
-            <a:ext cx="275080" cy="229507"/>
+            <a:off x="1011439" y="938583"/>
+            <a:ext cx="1767222" cy="321010"/>
+          </a:xfrm>
+          <a:prstGeom prst="rect">
+            <a:avLst/>
+          </a:prstGeom>
+        </p:spPr>
+        <p:style>
+          <a:lnRef idx="2">
+            <a:schemeClr val="dk1"/>
+          </a:lnRef>
+          <a:fillRef idx="1">
+            <a:schemeClr val="lt1"/>
+          </a:fillRef>
+          <a:effectRef idx="0">
+            <a:schemeClr val="dk1"/>
+          </a:effectRef>
+          <a:fontRef idx="minor">
+            <a:schemeClr val="dk1"/>
+          </a:fontRef>
+        </p:style>
+        <p:txBody>
+          <a:bodyPr rtlCol="0" anchor="ctr"/>
+          <a:lstStyle/>
+          <a:p>
+            <a:pPr algn="ctr"/>
+            <a:r>
+              <a:rPr lang="es-ES" sz="1100" dirty="0" smtClean="0"/>
+              <a:t>-Estado: </a:t>
+            </a:r>
+            <a:r>
+              <a:rPr lang="es-ES" sz="1100" dirty="0" err="1" smtClean="0"/>
+              <a:t>str</a:t>
+            </a:r>
+            <a:endParaRPr lang="es-ES" sz="1100" dirty="0" smtClean="0"/>
+          </a:p>
+        </p:txBody>
+      </p:sp>
+      <p:sp>
+        <p:nvSpPr>
+          <p:cNvPr id="89" name="Rectángulo 88"/>
+          <p:cNvSpPr/>
+          <p:nvPr/>
+        </p:nvSpPr>
+        <p:spPr>
+          <a:xfrm>
+            <a:off x="1011439" y="638417"/>
+            <a:ext cx="1767222" cy="285437"/>
+          </a:xfrm>
+          <a:prstGeom prst="rect">
+            <a:avLst/>
+          </a:prstGeom>
+        </p:spPr>
+        <p:style>
+          <a:lnRef idx="2">
+            <a:schemeClr val="dk1"/>
+          </a:lnRef>
+          <a:fillRef idx="1">
+            <a:schemeClr val="lt1"/>
+          </a:fillRef>
+          <a:effectRef idx="0">
+            <a:schemeClr val="dk1"/>
+          </a:effectRef>
+          <a:fontRef idx="minor">
+            <a:schemeClr val="dk1"/>
+          </a:fontRef>
+        </p:style>
+        <p:txBody>
+          <a:bodyPr rtlCol="0" anchor="ctr"/>
+          <a:lstStyle/>
+          <a:p>
+            <a:pPr algn="ctr"/>
+            <a:r>
+              <a:rPr lang="es-ES" sz="1100" dirty="0" smtClean="0"/>
+              <a:t>Nivel</a:t>
+            </a:r>
+            <a:endParaRPr lang="es-ES" sz="1100" dirty="0"/>
+          </a:p>
+        </p:txBody>
+      </p:sp>
+      <p:sp>
+        <p:nvSpPr>
+          <p:cNvPr id="90" name="Rectángulo 89"/>
+          <p:cNvSpPr/>
+          <p:nvPr/>
+        </p:nvSpPr>
+        <p:spPr>
+          <a:xfrm>
+            <a:off x="1009957" y="1254662"/>
+            <a:ext cx="1768704" cy="1094842"/>
+          </a:xfrm>
+          <a:prstGeom prst="rect">
+            <a:avLst/>
+          </a:prstGeom>
+        </p:spPr>
+        <p:style>
+          <a:lnRef idx="2">
+            <a:schemeClr val="dk1"/>
+          </a:lnRef>
+          <a:fillRef idx="1">
+            <a:schemeClr val="lt1"/>
+          </a:fillRef>
+          <a:effectRef idx="0">
+            <a:schemeClr val="dk1"/>
+          </a:effectRef>
+          <a:fontRef idx="minor">
+            <a:schemeClr val="dk1"/>
+          </a:fontRef>
+        </p:style>
+        <p:txBody>
+          <a:bodyPr rtlCol="0" anchor="ctr"/>
+          <a:lstStyle/>
+          <a:p>
+            <a:pPr algn="ctr"/>
+            <a:r>
+              <a:rPr lang="es-ES" sz="1100" dirty="0" smtClean="0"/>
+              <a:t>+</a:t>
+            </a:r>
+            <a:r>
+              <a:rPr lang="es-ES" sz="1100" dirty="0" err="1" smtClean="0"/>
+              <a:t>Iniciar_juego</a:t>
+            </a:r>
+            <a:r>
+              <a:rPr lang="es-ES" sz="1100" dirty="0" smtClean="0"/>
+              <a:t>()</a:t>
+            </a:r>
+          </a:p>
+          <a:p>
+            <a:pPr algn="ctr"/>
+            <a:r>
+              <a:rPr lang="es-ES" sz="1100" dirty="0" smtClean="0"/>
+              <a:t>+Actualizar()</a:t>
+            </a:r>
+          </a:p>
+          <a:p>
+            <a:pPr algn="ctr"/>
+            <a:r>
+              <a:rPr lang="es-ES" sz="1100" dirty="0" smtClean="0"/>
+              <a:t>+</a:t>
+            </a:r>
+            <a:r>
+              <a:rPr lang="es-ES" sz="1100" dirty="0" err="1" smtClean="0"/>
+              <a:t>Terminar_juego</a:t>
+            </a:r>
+            <a:r>
+              <a:rPr lang="es-ES" sz="1100" dirty="0" smtClean="0"/>
+              <a:t>()</a:t>
+            </a:r>
+          </a:p>
+          <a:p>
+            <a:pPr algn="ctr"/>
+            <a:r>
+              <a:rPr lang="es-ES" sz="1100" dirty="0" smtClean="0"/>
+              <a:t>+Pausa()</a:t>
+            </a:r>
+          </a:p>
+          <a:p>
+            <a:pPr algn="ctr"/>
+            <a:r>
+              <a:rPr lang="es-ES" sz="1100" dirty="0" smtClean="0"/>
+              <a:t>+</a:t>
+            </a:r>
+            <a:r>
+              <a:rPr lang="es-ES" sz="1100" dirty="0" err="1" smtClean="0"/>
+              <a:t>GenerarEnemigos</a:t>
+            </a:r>
+            <a:r>
+              <a:rPr lang="es-ES" sz="1100" dirty="0" smtClean="0"/>
+              <a:t>()</a:t>
+            </a:r>
+          </a:p>
+          <a:p>
+            <a:pPr algn="ctr"/>
+            <a:r>
+              <a:rPr lang="es-ES" sz="1100" dirty="0" smtClean="0"/>
+              <a:t>+</a:t>
+            </a:r>
+            <a:r>
+              <a:rPr lang="es-ES" sz="1100" dirty="0" err="1" smtClean="0"/>
+              <a:t>PoderEnemigo</a:t>
+            </a:r>
+            <a:r>
+              <a:rPr lang="es-ES" sz="1100" dirty="0" smtClean="0"/>
+              <a:t>()</a:t>
+            </a:r>
+          </a:p>
+          <a:p>
+            <a:pPr algn="ctr"/>
+            <a:endParaRPr lang="es-ES" sz="1100" dirty="0"/>
+          </a:p>
+        </p:txBody>
+      </p:sp>
+      <p:sp>
+        <p:nvSpPr>
+          <p:cNvPr id="91" name="Rectángulo 90"/>
+          <p:cNvSpPr/>
+          <p:nvPr/>
+        </p:nvSpPr>
+        <p:spPr>
+          <a:xfrm>
+            <a:off x="1009958" y="3003717"/>
+            <a:ext cx="1781595" cy="551361"/>
+          </a:xfrm>
+          <a:prstGeom prst="rect">
+            <a:avLst/>
+          </a:prstGeom>
+        </p:spPr>
+        <p:style>
+          <a:lnRef idx="2">
+            <a:schemeClr val="dk1"/>
+          </a:lnRef>
+          <a:fillRef idx="1">
+            <a:schemeClr val="lt1"/>
+          </a:fillRef>
+          <a:effectRef idx="0">
+            <a:schemeClr val="dk1"/>
+          </a:effectRef>
+          <a:fontRef idx="minor">
+            <a:schemeClr val="dk1"/>
+          </a:fontRef>
+        </p:style>
+        <p:txBody>
+          <a:bodyPr rtlCol="0" anchor="ctr"/>
+          <a:lstStyle/>
+          <a:p>
+            <a:pPr algn="ctr"/>
+            <a:r>
+              <a:rPr lang="es-ES" sz="1100" dirty="0" smtClean="0"/>
+              <a:t>-</a:t>
+            </a:r>
+            <a:r>
+              <a:rPr lang="es-ES" sz="1100" dirty="0" err="1" smtClean="0"/>
+              <a:t>bart:Bart</a:t>
+            </a:r>
+            <a:endParaRPr lang="es-ES" sz="1100" dirty="0" smtClean="0"/>
+          </a:p>
+          <a:p>
+            <a:pPr algn="ctr"/>
+            <a:r>
+              <a:rPr lang="es-ES" sz="1100" dirty="0" smtClean="0"/>
+              <a:t>-</a:t>
+            </a:r>
+            <a:r>
+              <a:rPr lang="es-ES" sz="1100" dirty="0" err="1" smtClean="0"/>
+              <a:t>parca:Parca</a:t>
+            </a:r>
+            <a:endParaRPr lang="es-ES" sz="1100" dirty="0" smtClean="0"/>
+          </a:p>
+          <a:p>
+            <a:pPr algn="ctr"/>
+            <a:r>
+              <a:rPr lang="es-ES" sz="1100" dirty="0" smtClean="0"/>
+              <a:t>-gemas: </a:t>
+            </a:r>
+            <a:r>
+              <a:rPr lang="es-ES" sz="1100" dirty="0" err="1" smtClean="0"/>
+              <a:t>List</a:t>
+            </a:r>
+            <a:r>
+              <a:rPr lang="es-ES" sz="1100" dirty="0" smtClean="0"/>
+              <a:t>[Gema]</a:t>
+            </a:r>
+          </a:p>
+        </p:txBody>
+      </p:sp>
+      <p:sp>
+        <p:nvSpPr>
+          <p:cNvPr id="92" name="Rectángulo 91"/>
+          <p:cNvSpPr/>
+          <p:nvPr/>
+        </p:nvSpPr>
+        <p:spPr>
+          <a:xfrm>
+            <a:off x="1009958" y="2690118"/>
+            <a:ext cx="1781594" cy="298834"/>
+          </a:xfrm>
+          <a:prstGeom prst="rect">
+            <a:avLst/>
+          </a:prstGeom>
+        </p:spPr>
+        <p:style>
+          <a:lnRef idx="2">
+            <a:schemeClr val="dk1"/>
+          </a:lnRef>
+          <a:fillRef idx="1">
+            <a:schemeClr val="lt1"/>
+          </a:fillRef>
+          <a:effectRef idx="0">
+            <a:schemeClr val="dk1"/>
+          </a:effectRef>
+          <a:fontRef idx="minor">
+            <a:schemeClr val="dk1"/>
+          </a:fontRef>
+        </p:style>
+        <p:txBody>
+          <a:bodyPr rtlCol="0" anchor="ctr"/>
+          <a:lstStyle/>
+          <a:p>
+            <a:pPr algn="ctr"/>
+            <a:r>
+              <a:rPr lang="es-ES" sz="1100" dirty="0" smtClean="0"/>
+              <a:t>Nivel1</a:t>
+            </a:r>
+            <a:endParaRPr lang="es-ES" sz="1100" dirty="0"/>
+          </a:p>
+        </p:txBody>
+      </p:sp>
+      <p:sp>
+        <p:nvSpPr>
+          <p:cNvPr id="93" name="Rectángulo 92"/>
+          <p:cNvSpPr/>
+          <p:nvPr/>
+        </p:nvSpPr>
+        <p:spPr>
+          <a:xfrm>
+            <a:off x="1009957" y="3569843"/>
+            <a:ext cx="1781595" cy="188732"/>
+          </a:xfrm>
+          <a:prstGeom prst="rect">
+            <a:avLst/>
+          </a:prstGeom>
+        </p:spPr>
+        <p:style>
+          <a:lnRef idx="2">
+            <a:schemeClr val="dk1"/>
+          </a:lnRef>
+          <a:fillRef idx="1">
+            <a:schemeClr val="lt1"/>
+          </a:fillRef>
+          <a:effectRef idx="0">
+            <a:schemeClr val="dk1"/>
+          </a:effectRef>
+          <a:fontRef idx="minor">
+            <a:schemeClr val="dk1"/>
+          </a:fontRef>
+        </p:style>
+        <p:txBody>
+          <a:bodyPr rtlCol="0" anchor="ctr"/>
+          <a:lstStyle/>
+          <a:p>
+            <a:pPr algn="ctr"/>
+            <a:endParaRPr lang="es-ES" sz="1100" dirty="0"/>
+          </a:p>
+        </p:txBody>
+      </p:sp>
+      <p:sp>
+        <p:nvSpPr>
+          <p:cNvPr id="97" name="Rectángulo 96"/>
+          <p:cNvSpPr/>
+          <p:nvPr/>
+        </p:nvSpPr>
+        <p:spPr>
+          <a:xfrm>
+            <a:off x="1009958" y="4302737"/>
+            <a:ext cx="1767221" cy="590750"/>
+          </a:xfrm>
+          <a:prstGeom prst="rect">
+            <a:avLst/>
+          </a:prstGeom>
+        </p:spPr>
+        <p:style>
+          <a:lnRef idx="2">
+            <a:schemeClr val="dk1"/>
+          </a:lnRef>
+          <a:fillRef idx="1">
+            <a:schemeClr val="lt1"/>
+          </a:fillRef>
+          <a:effectRef idx="0">
+            <a:schemeClr val="dk1"/>
+          </a:effectRef>
+          <a:fontRef idx="minor">
+            <a:schemeClr val="dk1"/>
+          </a:fontRef>
+        </p:style>
+        <p:txBody>
+          <a:bodyPr rtlCol="0" anchor="ctr"/>
+          <a:lstStyle/>
+          <a:p>
+            <a:pPr algn="ctr"/>
+            <a:r>
+              <a:rPr lang="es-ES" sz="1100" dirty="0" smtClean="0"/>
+              <a:t>-</a:t>
+            </a:r>
+            <a:r>
+              <a:rPr lang="es-ES" sz="1100" dirty="0" err="1" smtClean="0"/>
+              <a:t>lisa:Lisa</a:t>
+            </a:r>
+            <a:endParaRPr lang="es-ES" sz="1100" dirty="0" smtClean="0"/>
+          </a:p>
+          <a:p>
+            <a:pPr algn="ctr"/>
+            <a:r>
+              <a:rPr lang="es-ES" sz="1100" dirty="0" smtClean="0"/>
+              <a:t>-</a:t>
+            </a:r>
+            <a:r>
+              <a:rPr lang="es-ES" sz="1100" dirty="0" err="1" smtClean="0"/>
+              <a:t>frankey:Frankestein</a:t>
+            </a:r>
+            <a:endParaRPr lang="es-ES" sz="1100" dirty="0" smtClean="0"/>
+          </a:p>
+          <a:p>
+            <a:pPr algn="ctr"/>
+            <a:r>
+              <a:rPr lang="es-ES" sz="1100" dirty="0" smtClean="0"/>
+              <a:t>-obstáculos: </a:t>
+            </a:r>
+            <a:r>
+              <a:rPr lang="es-ES" sz="1100" dirty="0" err="1" smtClean="0"/>
+              <a:t>List</a:t>
+            </a:r>
+            <a:r>
+              <a:rPr lang="es-ES" sz="1100" dirty="0" smtClean="0"/>
+              <a:t>[</a:t>
+            </a:r>
+            <a:r>
+              <a:rPr lang="es-ES" sz="1100" dirty="0" err="1" smtClean="0"/>
+              <a:t>Obstaculo</a:t>
+            </a:r>
+            <a:r>
+              <a:rPr lang="es-ES" sz="1100" dirty="0" smtClean="0"/>
+              <a:t>]</a:t>
+            </a:r>
+          </a:p>
+        </p:txBody>
+      </p:sp>
+      <p:sp>
+        <p:nvSpPr>
+          <p:cNvPr id="101" name="Rectángulo 100"/>
+          <p:cNvSpPr/>
+          <p:nvPr/>
+        </p:nvSpPr>
+        <p:spPr>
+          <a:xfrm>
+            <a:off x="1009959" y="4005121"/>
+            <a:ext cx="1767220" cy="285437"/>
+          </a:xfrm>
+          <a:prstGeom prst="rect">
+            <a:avLst/>
+          </a:prstGeom>
+        </p:spPr>
+        <p:style>
+          <a:lnRef idx="2">
+            <a:schemeClr val="dk1"/>
+          </a:lnRef>
+          <a:fillRef idx="1">
+            <a:schemeClr val="lt1"/>
+          </a:fillRef>
+          <a:effectRef idx="0">
+            <a:schemeClr val="dk1"/>
+          </a:effectRef>
+          <a:fontRef idx="minor">
+            <a:schemeClr val="dk1"/>
+          </a:fontRef>
+        </p:style>
+        <p:txBody>
+          <a:bodyPr rtlCol="0" anchor="ctr"/>
+          <a:lstStyle/>
+          <a:p>
+            <a:pPr algn="ctr"/>
+            <a:r>
+              <a:rPr lang="es-ES" sz="1100" dirty="0" smtClean="0"/>
+              <a:t>Nivel2</a:t>
+            </a:r>
+            <a:endParaRPr lang="es-ES" sz="1100" dirty="0"/>
+          </a:p>
+        </p:txBody>
+      </p:sp>
+      <p:sp>
+        <p:nvSpPr>
+          <p:cNvPr id="103" name="Rectángulo 102"/>
+          <p:cNvSpPr/>
+          <p:nvPr/>
+        </p:nvSpPr>
+        <p:spPr>
+          <a:xfrm>
+            <a:off x="1009957" y="4893487"/>
+            <a:ext cx="1767222" cy="183759"/>
+          </a:xfrm>
+          <a:prstGeom prst="rect">
+            <a:avLst/>
+          </a:prstGeom>
+        </p:spPr>
+        <p:style>
+          <a:lnRef idx="2">
+            <a:schemeClr val="dk1"/>
+          </a:lnRef>
+          <a:fillRef idx="1">
+            <a:schemeClr val="lt1"/>
+          </a:fillRef>
+          <a:effectRef idx="0">
+            <a:schemeClr val="dk1"/>
+          </a:effectRef>
+          <a:fontRef idx="minor">
+            <a:schemeClr val="dk1"/>
+          </a:fontRef>
+        </p:style>
+        <p:txBody>
+          <a:bodyPr rtlCol="0" anchor="ctr"/>
+          <a:lstStyle/>
+          <a:p>
+            <a:pPr algn="ctr"/>
+            <a:endParaRPr lang="es-ES" sz="1100" dirty="0"/>
+          </a:p>
+        </p:txBody>
+      </p:sp>
+      <p:cxnSp>
+        <p:nvCxnSpPr>
+          <p:cNvPr id="104" name="Conector recto de flecha 103"/>
+          <p:cNvCxnSpPr>
+            <a:stCxn id="101" idx="0"/>
+          </p:cNvCxnSpPr>
+          <p:nvPr/>
+        </p:nvCxnSpPr>
+        <p:spPr>
+          <a:xfrm flipH="1" flipV="1">
+            <a:off x="1893568" y="3773340"/>
+            <a:ext cx="1" cy="231781"/>
+          </a:xfrm>
+          <a:prstGeom prst="straightConnector1">
+            <a:avLst/>
+          </a:prstGeom>
+          <a:ln>
+            <a:tailEnd type="triangle"/>
+          </a:ln>
+        </p:spPr>
+        <p:style>
+          <a:lnRef idx="2">
+            <a:schemeClr val="dk1"/>
+          </a:lnRef>
+          <a:fillRef idx="0">
+            <a:schemeClr val="dk1"/>
+          </a:fillRef>
+          <a:effectRef idx="1">
+            <a:schemeClr val="dk1"/>
+          </a:effectRef>
+          <a:fontRef idx="minor">
+            <a:schemeClr val="tx1"/>
+          </a:fontRef>
+        </p:style>
+      </p:cxnSp>
+      <p:cxnSp>
+        <p:nvCxnSpPr>
+          <p:cNvPr id="105" name="Conector recto de flecha 104"/>
+          <p:cNvCxnSpPr/>
+          <p:nvPr/>
+        </p:nvCxnSpPr>
+        <p:spPr>
+          <a:xfrm flipV="1">
+            <a:off x="1893568" y="2349504"/>
+            <a:ext cx="0" cy="351366"/>
+          </a:xfrm>
+          <a:prstGeom prst="straightConnector1">
+            <a:avLst/>
+          </a:prstGeom>
+          <a:ln>
+            <a:tailEnd type="triangle"/>
+          </a:ln>
+        </p:spPr>
+        <p:style>
+          <a:lnRef idx="2">
+            <a:schemeClr val="dk1"/>
+          </a:lnRef>
+          <a:fillRef idx="0">
+            <a:schemeClr val="dk1"/>
+          </a:fillRef>
+          <a:effectRef idx="1">
+            <a:schemeClr val="dk1"/>
+          </a:effectRef>
+          <a:fontRef idx="minor">
+            <a:schemeClr val="tx1"/>
+          </a:fontRef>
+        </p:style>
+      </p:cxnSp>
+      <p:sp>
+        <p:nvSpPr>
+          <p:cNvPr id="106" name="Rectángulo 105"/>
+          <p:cNvSpPr/>
+          <p:nvPr/>
+        </p:nvSpPr>
+        <p:spPr>
+          <a:xfrm>
+            <a:off x="3647986" y="1588871"/>
+            <a:ext cx="1767221" cy="305313"/>
+          </a:xfrm>
+          <a:prstGeom prst="rect">
+            <a:avLst/>
+          </a:prstGeom>
+        </p:spPr>
+        <p:style>
+          <a:lnRef idx="2">
+            <a:schemeClr val="dk1"/>
+          </a:lnRef>
+          <a:fillRef idx="1">
+            <a:schemeClr val="lt1"/>
+          </a:fillRef>
+          <a:effectRef idx="0">
+            <a:schemeClr val="dk1"/>
+          </a:effectRef>
+          <a:fontRef idx="minor">
+            <a:schemeClr val="dk1"/>
+          </a:fontRef>
+        </p:style>
+        <p:txBody>
+          <a:bodyPr rtlCol="0" anchor="ctr"/>
+          <a:lstStyle/>
+          <a:p>
+            <a:pPr algn="ctr"/>
+            <a:r>
+              <a:rPr lang="es-ES" sz="1100" dirty="0" smtClean="0"/>
+              <a:t>-Tipo: </a:t>
+            </a:r>
+            <a:r>
+              <a:rPr lang="es-ES" sz="1100" dirty="0" err="1" smtClean="0"/>
+              <a:t>str</a:t>
+            </a:r>
+            <a:endParaRPr lang="es-ES" sz="1100" dirty="0" smtClean="0"/>
+          </a:p>
+          <a:p>
+            <a:pPr algn="ctr"/>
+            <a:r>
+              <a:rPr lang="es-ES" sz="1100" dirty="0" smtClean="0"/>
+              <a:t>-Daño: </a:t>
+            </a:r>
+            <a:r>
+              <a:rPr lang="es-ES" sz="1100" dirty="0" err="1" smtClean="0"/>
+              <a:t>int</a:t>
+            </a:r>
+            <a:endParaRPr lang="es-ES" sz="1100" dirty="0" smtClean="0"/>
+          </a:p>
+        </p:txBody>
+      </p:sp>
+      <p:sp>
+        <p:nvSpPr>
+          <p:cNvPr id="107" name="Rectángulo 106"/>
+          <p:cNvSpPr/>
+          <p:nvPr/>
+        </p:nvSpPr>
+        <p:spPr>
+          <a:xfrm>
+            <a:off x="3647987" y="1291255"/>
+            <a:ext cx="1767220" cy="285437"/>
+          </a:xfrm>
+          <a:prstGeom prst="rect">
+            <a:avLst/>
+          </a:prstGeom>
+        </p:spPr>
+        <p:style>
+          <a:lnRef idx="2">
+            <a:schemeClr val="dk1"/>
+          </a:lnRef>
+          <a:fillRef idx="1">
+            <a:schemeClr val="lt1"/>
+          </a:fillRef>
+          <a:effectRef idx="0">
+            <a:schemeClr val="dk1"/>
+          </a:effectRef>
+          <a:fontRef idx="minor">
+            <a:schemeClr val="dk1"/>
+          </a:fontRef>
+        </p:style>
+        <p:txBody>
+          <a:bodyPr rtlCol="0" anchor="ctr"/>
+          <a:lstStyle/>
+          <a:p>
+            <a:pPr algn="ctr"/>
+            <a:r>
+              <a:rPr lang="es-ES" sz="1100" dirty="0" smtClean="0"/>
+              <a:t>Arma</a:t>
+            </a:r>
+          </a:p>
+        </p:txBody>
+      </p:sp>
+      <p:sp>
+        <p:nvSpPr>
+          <p:cNvPr id="108" name="Rectángulo 107"/>
+          <p:cNvSpPr/>
+          <p:nvPr/>
+        </p:nvSpPr>
+        <p:spPr>
+          <a:xfrm>
+            <a:off x="3647985" y="1907888"/>
+            <a:ext cx="1767222" cy="405319"/>
+          </a:xfrm>
+          <a:prstGeom prst="rect">
+            <a:avLst/>
+          </a:prstGeom>
+        </p:spPr>
+        <p:style>
+          <a:lnRef idx="2">
+            <a:schemeClr val="dk1"/>
+          </a:lnRef>
+          <a:fillRef idx="1">
+            <a:schemeClr val="lt1"/>
+          </a:fillRef>
+          <a:effectRef idx="0">
+            <a:schemeClr val="dk1"/>
+          </a:effectRef>
+          <a:fontRef idx="minor">
+            <a:schemeClr val="dk1"/>
+          </a:fontRef>
+        </p:style>
+        <p:txBody>
+          <a:bodyPr rtlCol="0" anchor="ctr"/>
+          <a:lstStyle/>
+          <a:p>
+            <a:pPr algn="ctr"/>
+            <a:r>
+              <a:rPr lang="es-ES" sz="1100" dirty="0" smtClean="0"/>
+              <a:t>+Disparar</a:t>
+            </a:r>
+            <a:r>
+              <a:rPr lang="es-ES" sz="1100" dirty="0" smtClean="0"/>
+              <a:t>(</a:t>
+            </a:r>
+          </a:p>
+          <a:p>
+            <a:pPr algn="ctr"/>
+            <a:r>
+              <a:rPr lang="es-ES" sz="1100" dirty="0" smtClean="0"/>
+              <a:t>+atacar()</a:t>
+            </a:r>
+            <a:endParaRPr lang="es-ES" sz="1100" dirty="0"/>
+          </a:p>
+        </p:txBody>
+      </p:sp>
+      <p:cxnSp>
+        <p:nvCxnSpPr>
+          <p:cNvPr id="110" name="Conector recto de flecha 109"/>
+          <p:cNvCxnSpPr>
+            <a:stCxn id="106" idx="3"/>
+            <a:endCxn id="111" idx="3"/>
+          </p:cNvCxnSpPr>
+          <p:nvPr/>
+        </p:nvCxnSpPr>
+        <p:spPr>
+          <a:xfrm>
+            <a:off x="5415207" y="1741528"/>
+            <a:ext cx="1386375" cy="3283"/>
+          </a:xfrm>
+          <a:prstGeom prst="straightConnector1">
+            <a:avLst/>
+          </a:prstGeom>
+          <a:ln>
+            <a:tailEnd type="triangle"/>
+          </a:ln>
+        </p:spPr>
+        <p:style>
+          <a:lnRef idx="2">
+            <a:schemeClr val="dk1"/>
+          </a:lnRef>
+          <a:fillRef idx="0">
+            <a:schemeClr val="dk1"/>
+          </a:fillRef>
+          <a:effectRef idx="1">
+            <a:schemeClr val="dk1"/>
+          </a:effectRef>
+          <a:fontRef idx="minor">
+            <a:schemeClr val="tx1"/>
+          </a:fontRef>
+        </p:style>
+      </p:cxnSp>
+      <p:sp>
+        <p:nvSpPr>
+          <p:cNvPr id="111" name="Decisión 110"/>
+          <p:cNvSpPr/>
+          <p:nvPr/>
+        </p:nvSpPr>
+        <p:spPr>
+          <a:xfrm>
+            <a:off x="6592235" y="1674561"/>
+            <a:ext cx="209347" cy="140500"/>
           </a:xfrm>
           <a:prstGeom prst="flowChartDecision">
             <a:avLst/>
@@ -4533,14 +5124,14 @@
       </p:sp>
       <p:sp>
         <p:nvSpPr>
-          <p:cNvPr id="44" name="Decisión 43"/>
+          <p:cNvPr id="112" name="Decisión 111"/>
           <p:cNvSpPr/>
           <p:nvPr/>
         </p:nvSpPr>
         <p:spPr>
           <a:xfrm>
-            <a:off x="7255932" y="2105375"/>
-            <a:ext cx="311476" cy="254549"/>
+            <a:off x="2762893" y="1511517"/>
+            <a:ext cx="209347" cy="140500"/>
           </a:xfrm>
           <a:prstGeom prst="flowChartDecision">
             <a:avLst/>
@@ -4571,46 +5162,16 @@
           </a:p>
         </p:txBody>
       </p:sp>
-    </p:spTree>
-    <p:extLst>
-      <p:ext uri="{BB962C8B-B14F-4D97-AF65-F5344CB8AC3E}">
-        <p14:creationId xmlns:p14="http://schemas.microsoft.com/office/powerpoint/2010/main" val="3778773348"/>
-      </p:ext>
-    </p:extLst>
-  </p:cSld>
-  <p:clrMapOvr>
-    <a:masterClrMapping/>
-  </p:clrMapOvr>
-</p:sld>
-</file>
-
-<file path=ppt/slides/slide2.xml><?xml version="1.0" encoding="utf-8"?>
-<p:sld xmlns:a="http://schemas.openxmlformats.org/drawingml/2006/main" xmlns:r="http://schemas.openxmlformats.org/officeDocument/2006/relationships" xmlns:p="http://schemas.openxmlformats.org/presentationml/2006/main">
-  <p:cSld>
-    <p:spTree>
-      <p:nvGrpSpPr>
-        <p:cNvPr id="1" name=""/>
-        <p:cNvGrpSpPr/>
-        <p:nvPr/>
-      </p:nvGrpSpPr>
-      <p:grpSpPr>
-        <a:xfrm>
-          <a:off x="0" y="0"/>
-          <a:ext cx="0" cy="0"/>
-          <a:chOff x="0" y="0"/>
-          <a:chExt cx="0" cy="0"/>
-        </a:xfrm>
-      </p:grpSpPr>
-      <p:sp>
-        <p:nvSpPr>
-          <p:cNvPr id="4" name="Rectángulo 3"/>
+      <p:sp>
+        <p:nvSpPr>
+          <p:cNvPr id="113" name="Rectángulo 112"/>
           <p:cNvSpPr/>
           <p:nvPr/>
         </p:nvSpPr>
         <p:spPr>
           <a:xfrm>
-            <a:off x="997067" y="940062"/>
-            <a:ext cx="1642532" cy="321010"/>
+            <a:off x="3698262" y="2988952"/>
+            <a:ext cx="1702604" cy="346339"/>
           </a:xfrm>
           <a:prstGeom prst="rect">
             <a:avLst/>
@@ -4637,7 +5198,7 @@
             <a:pPr algn="ctr"/>
             <a:r>
               <a:rPr lang="es-ES" sz="1100" dirty="0" smtClean="0"/>
-              <a:t>-Estado: </a:t>
+              <a:t>-Tipo: </a:t>
             </a:r>
             <a:r>
               <a:rPr lang="es-ES" sz="1100" dirty="0" err="1" smtClean="0"/>
@@ -4649,14 +5210,14 @@
       </p:sp>
       <p:sp>
         <p:nvSpPr>
-          <p:cNvPr id="5" name="Rectángulo 4"/>
+          <p:cNvPr id="114" name="Rectángulo 113"/>
           <p:cNvSpPr/>
           <p:nvPr/>
         </p:nvSpPr>
         <p:spPr>
           <a:xfrm>
-            <a:off x="997067" y="639896"/>
-            <a:ext cx="1642532" cy="285437"/>
+            <a:off x="3698262" y="2700871"/>
+            <a:ext cx="1702604" cy="298682"/>
           </a:xfrm>
           <a:prstGeom prst="rect">
             <a:avLst/>
@@ -4682,8 +5243,8 @@
           <a:p>
             <a:pPr algn="ctr"/>
             <a:r>
-              <a:rPr lang="es-ES" sz="1100" dirty="0" smtClean="0"/>
-              <a:t>Nivel</a:t>
+              <a:rPr lang="es-ES" sz="1100" dirty="0" err="1" smtClean="0"/>
+              <a:t>Obstaculo</a:t>
             </a:r>
             <a:endParaRPr lang="es-ES" sz="1100" dirty="0"/>
           </a:p>
@@ -4691,14 +5252,14 @@
       </p:sp>
       <p:sp>
         <p:nvSpPr>
-          <p:cNvPr id="6" name="Rectángulo 5"/>
+          <p:cNvPr id="115" name="Rectángulo 114"/>
           <p:cNvSpPr/>
           <p:nvPr/>
         </p:nvSpPr>
         <p:spPr>
           <a:xfrm>
-            <a:off x="997067" y="1254957"/>
-            <a:ext cx="1642532" cy="510343"/>
+            <a:off x="3698262" y="3293528"/>
+            <a:ext cx="1702604" cy="487452"/>
           </a:xfrm>
           <a:prstGeom prst="rect">
             <a:avLst/>
@@ -4725,367 +5286,41 @@
             <a:pPr algn="ctr"/>
             <a:r>
               <a:rPr lang="es-ES" sz="1100" dirty="0" smtClean="0"/>
-              <a:t>+Iniciar_juego()</a:t>
+              <a:t>+</a:t>
+            </a:r>
+            <a:r>
+              <a:rPr lang="es-ES" sz="1100" dirty="0" err="1" smtClean="0"/>
+              <a:t>Verificar_colision</a:t>
+            </a:r>
+            <a:r>
+              <a:rPr lang="es-ES" sz="1100" dirty="0" smtClean="0"/>
+              <a:t>()</a:t>
             </a:r>
           </a:p>
           <a:p>
             <a:pPr algn="ctr"/>
             <a:r>
               <a:rPr lang="es-ES" sz="1100" dirty="0" smtClean="0"/>
-              <a:t>+Actualizar()</a:t>
-            </a:r>
-          </a:p>
-          <a:p>
-            <a:pPr algn="ctr"/>
-            <a:r>
-              <a:rPr lang="es-ES" sz="1100" dirty="0" smtClean="0"/>
-              <a:t>+</a:t>
-            </a:r>
-            <a:r>
-              <a:rPr lang="es-ES" sz="1100" dirty="0" err="1" smtClean="0"/>
-              <a:t>Terminar_juego</a:t>
-            </a:r>
-            <a:r>
-              <a:rPr lang="es-ES" sz="1100" dirty="0" smtClean="0"/>
-              <a:t>()</a:t>
-            </a:r>
-            <a:endParaRPr lang="es-ES" sz="1100" dirty="0"/>
-          </a:p>
-        </p:txBody>
-      </p:sp>
-      <p:sp>
-        <p:nvSpPr>
-          <p:cNvPr id="7" name="Rectángulo 6"/>
-          <p:cNvSpPr/>
-          <p:nvPr/>
-        </p:nvSpPr>
-        <p:spPr>
-          <a:xfrm>
-            <a:off x="3147602" y="943834"/>
-            <a:ext cx="1642532" cy="574533"/>
-          </a:xfrm>
-          <a:prstGeom prst="rect">
-            <a:avLst/>
-          </a:prstGeom>
-        </p:spPr>
-        <p:style>
-          <a:lnRef idx="2">
-            <a:schemeClr val="dk1"/>
-          </a:lnRef>
-          <a:fillRef idx="1">
-            <a:schemeClr val="lt1"/>
-          </a:fillRef>
-          <a:effectRef idx="0">
-            <a:schemeClr val="dk1"/>
-          </a:effectRef>
-          <a:fontRef idx="minor">
-            <a:schemeClr val="dk1"/>
-          </a:fontRef>
-        </p:style>
-        <p:txBody>
-          <a:bodyPr rtlCol="0" anchor="ctr"/>
-          <a:lstStyle/>
-          <a:p>
-            <a:pPr algn="ctr"/>
-            <a:r>
-              <a:rPr lang="es-ES" sz="1100" dirty="0" smtClean="0"/>
-              <a:t>-</a:t>
-            </a:r>
-            <a:r>
-              <a:rPr lang="es-ES" sz="1100" dirty="0" err="1" smtClean="0"/>
-              <a:t>bart:Bart</a:t>
-            </a:r>
-            <a:endParaRPr lang="es-ES" sz="1100" dirty="0" smtClean="0"/>
-          </a:p>
-          <a:p>
-            <a:pPr algn="ctr"/>
-            <a:r>
-              <a:rPr lang="es-ES" sz="1100" dirty="0" smtClean="0"/>
-              <a:t>-</a:t>
-            </a:r>
-            <a:r>
-              <a:rPr lang="es-ES" sz="1100" dirty="0" err="1" smtClean="0"/>
-              <a:t>parca:Parca</a:t>
-            </a:r>
-            <a:endParaRPr lang="es-ES" sz="1100" dirty="0" smtClean="0"/>
-          </a:p>
-          <a:p>
-            <a:pPr algn="ctr"/>
-            <a:r>
-              <a:rPr lang="es-ES" sz="1100" dirty="0" smtClean="0"/>
-              <a:t>-gemas: </a:t>
-            </a:r>
-            <a:r>
-              <a:rPr lang="es-ES" sz="1100" dirty="0" err="1" smtClean="0"/>
-              <a:t>List</a:t>
-            </a:r>
-            <a:r>
-              <a:rPr lang="es-ES" sz="1100" dirty="0" smtClean="0"/>
-              <a:t>[Gema]</a:t>
-            </a:r>
-          </a:p>
-        </p:txBody>
-      </p:sp>
-      <p:sp>
-        <p:nvSpPr>
-          <p:cNvPr id="8" name="Rectángulo 7"/>
-          <p:cNvSpPr/>
-          <p:nvPr/>
-        </p:nvSpPr>
-        <p:spPr>
-          <a:xfrm>
-            <a:off x="3147602" y="667556"/>
-            <a:ext cx="1642532" cy="285437"/>
-          </a:xfrm>
-          <a:prstGeom prst="rect">
-            <a:avLst/>
-          </a:prstGeom>
-        </p:spPr>
-        <p:style>
-          <a:lnRef idx="2">
-            <a:schemeClr val="dk1"/>
-          </a:lnRef>
-          <a:fillRef idx="1">
-            <a:schemeClr val="lt1"/>
-          </a:fillRef>
-          <a:effectRef idx="0">
-            <a:schemeClr val="dk1"/>
-          </a:effectRef>
-          <a:fontRef idx="minor">
-            <a:schemeClr val="dk1"/>
-          </a:fontRef>
-        </p:style>
-        <p:txBody>
-          <a:bodyPr rtlCol="0" anchor="ctr"/>
-          <a:lstStyle/>
-          <a:p>
-            <a:pPr algn="ctr"/>
-            <a:r>
-              <a:rPr lang="es-ES" sz="1100" dirty="0" smtClean="0"/>
-              <a:t>Nivel1</a:t>
-            </a:r>
-            <a:endParaRPr lang="es-ES" sz="1100" dirty="0"/>
-          </a:p>
-        </p:txBody>
-      </p:sp>
-      <p:sp>
-        <p:nvSpPr>
-          <p:cNvPr id="9" name="Rectángulo 8"/>
-          <p:cNvSpPr/>
-          <p:nvPr/>
-        </p:nvSpPr>
-        <p:spPr>
-          <a:xfrm>
-            <a:off x="3147602" y="1536083"/>
-            <a:ext cx="1642532" cy="192166"/>
-          </a:xfrm>
-          <a:prstGeom prst="rect">
-            <a:avLst/>
-          </a:prstGeom>
-        </p:spPr>
-        <p:style>
-          <a:lnRef idx="2">
-            <a:schemeClr val="dk1"/>
-          </a:lnRef>
-          <a:fillRef idx="1">
-            <a:schemeClr val="lt1"/>
-          </a:fillRef>
-          <a:effectRef idx="0">
-            <a:schemeClr val="dk1"/>
-          </a:effectRef>
-          <a:fontRef idx="minor">
-            <a:schemeClr val="dk1"/>
-          </a:fontRef>
-        </p:style>
-        <p:txBody>
-          <a:bodyPr rtlCol="0" anchor="ctr"/>
-          <a:lstStyle/>
-          <a:p>
-            <a:pPr algn="ctr"/>
-            <a:endParaRPr lang="es-ES" sz="1100" dirty="0"/>
-          </a:p>
-        </p:txBody>
-      </p:sp>
-      <p:sp>
-        <p:nvSpPr>
-          <p:cNvPr id="10" name="Rectángulo 9"/>
-          <p:cNvSpPr/>
-          <p:nvPr/>
-        </p:nvSpPr>
-        <p:spPr>
-          <a:xfrm>
-            <a:off x="3198478" y="2212174"/>
-            <a:ext cx="1767221" cy="590750"/>
-          </a:xfrm>
-          <a:prstGeom prst="rect">
-            <a:avLst/>
-          </a:prstGeom>
-        </p:spPr>
-        <p:style>
-          <a:lnRef idx="2">
-            <a:schemeClr val="dk1"/>
-          </a:lnRef>
-          <a:fillRef idx="1">
-            <a:schemeClr val="lt1"/>
-          </a:fillRef>
-          <a:effectRef idx="0">
-            <a:schemeClr val="dk1"/>
-          </a:effectRef>
-          <a:fontRef idx="minor">
-            <a:schemeClr val="dk1"/>
-          </a:fontRef>
-        </p:style>
-        <p:txBody>
-          <a:bodyPr rtlCol="0" anchor="ctr"/>
-          <a:lstStyle/>
-          <a:p>
-            <a:pPr algn="ctr"/>
-            <a:r>
-              <a:rPr lang="es-ES" sz="1100" dirty="0" smtClean="0"/>
-              <a:t>-</a:t>
-            </a:r>
-            <a:r>
-              <a:rPr lang="es-ES" sz="1100" dirty="0" err="1" smtClean="0"/>
-              <a:t>lisa:Lisa</a:t>
-            </a:r>
-            <a:endParaRPr lang="es-ES" sz="1100" dirty="0" smtClean="0"/>
-          </a:p>
-          <a:p>
-            <a:pPr algn="ctr"/>
-            <a:r>
-              <a:rPr lang="es-ES" sz="1100" dirty="0" smtClean="0"/>
-              <a:t>-</a:t>
-            </a:r>
-            <a:r>
-              <a:rPr lang="es-ES" sz="1100" dirty="0" err="1" smtClean="0"/>
-              <a:t>frankey:Frankestein</a:t>
-            </a:r>
-            <a:endParaRPr lang="es-ES" sz="1100" dirty="0" smtClean="0"/>
-          </a:p>
-          <a:p>
-            <a:pPr algn="ctr"/>
-            <a:r>
-              <a:rPr lang="es-ES" sz="1100" dirty="0" smtClean="0"/>
-              <a:t>-obstáculos: </a:t>
-            </a:r>
-            <a:r>
-              <a:rPr lang="es-ES" sz="1100" dirty="0" err="1" smtClean="0"/>
-              <a:t>List</a:t>
-            </a:r>
-            <a:r>
-              <a:rPr lang="es-ES" sz="1100" dirty="0" smtClean="0"/>
-              <a:t>[</a:t>
-            </a:r>
-            <a:r>
-              <a:rPr lang="es-ES" sz="1100" dirty="0" err="1" smtClean="0"/>
-              <a:t>Obstaculo</a:t>
-            </a:r>
-            <a:r>
-              <a:rPr lang="es-ES" sz="1100" dirty="0" smtClean="0"/>
-              <a:t>]</a:t>
-            </a:r>
-          </a:p>
-        </p:txBody>
-      </p:sp>
-      <p:sp>
-        <p:nvSpPr>
-          <p:cNvPr id="11" name="Rectángulo 10"/>
-          <p:cNvSpPr/>
-          <p:nvPr/>
-        </p:nvSpPr>
-        <p:spPr>
-          <a:xfrm>
-            <a:off x="3198479" y="1914558"/>
-            <a:ext cx="1767220" cy="285437"/>
-          </a:xfrm>
-          <a:prstGeom prst="rect">
-            <a:avLst/>
-          </a:prstGeom>
-        </p:spPr>
-        <p:style>
-          <a:lnRef idx="2">
-            <a:schemeClr val="dk1"/>
-          </a:lnRef>
-          <a:fillRef idx="1">
-            <a:schemeClr val="lt1"/>
-          </a:fillRef>
-          <a:effectRef idx="0">
-            <a:schemeClr val="dk1"/>
-          </a:effectRef>
-          <a:fontRef idx="minor">
-            <a:schemeClr val="dk1"/>
-          </a:fontRef>
-        </p:style>
-        <p:txBody>
-          <a:bodyPr rtlCol="0" anchor="ctr"/>
-          <a:lstStyle/>
-          <a:p>
-            <a:pPr algn="ctr"/>
-            <a:r>
-              <a:rPr lang="es-ES" sz="1100" dirty="0" smtClean="0"/>
-              <a:t>Nivel2</a:t>
-            </a:r>
-            <a:endParaRPr lang="es-ES" sz="1100" dirty="0"/>
-          </a:p>
-        </p:txBody>
-      </p:sp>
-      <p:sp>
-        <p:nvSpPr>
-          <p:cNvPr id="12" name="Rectángulo 11"/>
-          <p:cNvSpPr/>
-          <p:nvPr/>
-        </p:nvSpPr>
-        <p:spPr>
-          <a:xfrm>
-            <a:off x="3198477" y="2802924"/>
-            <a:ext cx="1767222" cy="183759"/>
-          </a:xfrm>
-          <a:prstGeom prst="rect">
-            <a:avLst/>
-          </a:prstGeom>
-        </p:spPr>
-        <p:style>
-          <a:lnRef idx="2">
-            <a:schemeClr val="dk1"/>
-          </a:lnRef>
-          <a:fillRef idx="1">
-            <a:schemeClr val="lt1"/>
-          </a:fillRef>
-          <a:effectRef idx="0">
-            <a:schemeClr val="dk1"/>
-          </a:effectRef>
-          <a:fontRef idx="minor">
-            <a:schemeClr val="dk1"/>
-          </a:fontRef>
-        </p:style>
-        <p:txBody>
-          <a:bodyPr rtlCol="0" anchor="ctr"/>
-          <a:lstStyle/>
-          <a:p>
-            <a:pPr algn="ctr"/>
+              <a:t>+movimiento()</a:t>
+            </a:r>
             <a:endParaRPr lang="es-ES" sz="1100" dirty="0"/>
           </a:p>
         </p:txBody>
       </p:sp>
       <p:cxnSp>
         <p:nvCxnSpPr>
-          <p:cNvPr id="13" name="Conector recto de flecha 12"/>
-          <p:cNvCxnSpPr>
-            <a:endCxn id="4" idx="3"/>
-          </p:cNvCxnSpPr>
+          <p:cNvPr id="46" name="Conector recto 45"/>
+          <p:cNvCxnSpPr/>
           <p:nvPr/>
         </p:nvCxnSpPr>
         <p:spPr>
-          <a:xfrm flipH="1">
-            <a:off x="2639599" y="1100567"/>
-            <a:ext cx="508003" cy="0"/>
-          </a:xfrm>
-          <a:prstGeom prst="straightConnector1">
-            <a:avLst/>
-          </a:prstGeom>
-          <a:ln>
-            <a:tailEnd type="triangle"/>
-          </a:ln>
+          <a:xfrm flipH="1" flipV="1">
+            <a:off x="2762893" y="1570438"/>
+            <a:ext cx="996308" cy="13871"/>
+          </a:xfrm>
+          <a:prstGeom prst="line">
+            <a:avLst/>
+          </a:prstGeom>
         </p:spPr>
         <p:style>
           <a:lnRef idx="2">
@@ -5104,373 +5339,18 @@
       </p:cxnSp>
       <p:cxnSp>
         <p:nvCxnSpPr>
-          <p:cNvPr id="14" name="Conector recto de flecha 13"/>
-          <p:cNvCxnSpPr>
-            <a:stCxn id="11" idx="0"/>
-          </p:cNvCxnSpPr>
-          <p:nvPr/>
-        </p:nvCxnSpPr>
-        <p:spPr>
-          <a:xfrm flipH="1" flipV="1">
-            <a:off x="4082088" y="1682777"/>
-            <a:ext cx="1" cy="231781"/>
-          </a:xfrm>
-          <a:prstGeom prst="straightConnector1">
-            <a:avLst/>
-          </a:prstGeom>
-          <a:ln>
-            <a:tailEnd type="triangle"/>
-          </a:ln>
-        </p:spPr>
-        <p:style>
-          <a:lnRef idx="2">
-            <a:schemeClr val="dk1"/>
-          </a:lnRef>
-          <a:fillRef idx="0">
-            <a:schemeClr val="dk1"/>
-          </a:fillRef>
-          <a:effectRef idx="1">
-            <a:schemeClr val="dk1"/>
-          </a:effectRef>
-          <a:fontRef idx="minor">
-            <a:schemeClr val="tx1"/>
-          </a:fontRef>
-        </p:style>
-      </p:cxnSp>
-      <p:sp>
-        <p:nvSpPr>
-          <p:cNvPr id="23" name="Rectángulo 22"/>
-          <p:cNvSpPr/>
-          <p:nvPr/>
-        </p:nvSpPr>
-        <p:spPr>
-          <a:xfrm>
-            <a:off x="6036326" y="925333"/>
-            <a:ext cx="1767221" cy="219602"/>
-          </a:xfrm>
-          <a:prstGeom prst="rect">
-            <a:avLst/>
-          </a:prstGeom>
-        </p:spPr>
-        <p:style>
-          <a:lnRef idx="2">
-            <a:schemeClr val="dk1"/>
-          </a:lnRef>
-          <a:fillRef idx="1">
-            <a:schemeClr val="lt1"/>
-          </a:fillRef>
-          <a:effectRef idx="0">
-            <a:schemeClr val="dk1"/>
-          </a:effectRef>
-          <a:fontRef idx="minor">
-            <a:schemeClr val="dk1"/>
-          </a:fontRef>
-        </p:style>
-        <p:txBody>
-          <a:bodyPr rtlCol="0" anchor="ctr"/>
-          <a:lstStyle/>
-          <a:p>
-            <a:pPr algn="ctr"/>
-            <a:r>
-              <a:rPr lang="es-ES" sz="1100" dirty="0" smtClean="0"/>
-              <a:t>-</a:t>
-            </a:r>
-            <a:r>
-              <a:rPr lang="es-ES" sz="1100" dirty="0" err="1" smtClean="0"/>
-              <a:t>Posicion</a:t>
-            </a:r>
-            <a:r>
-              <a:rPr lang="es-ES" sz="1100" dirty="0" smtClean="0"/>
-              <a:t>: vector&lt;</a:t>
-            </a:r>
-            <a:r>
-              <a:rPr lang="es-ES" sz="1100" dirty="0" err="1" smtClean="0"/>
-              <a:t>int</a:t>
-            </a:r>
-            <a:r>
-              <a:rPr lang="es-ES" sz="1100" dirty="0" smtClean="0"/>
-              <a:t>, </a:t>
-            </a:r>
-            <a:r>
-              <a:rPr lang="es-ES" sz="1100" dirty="0" err="1" smtClean="0"/>
-              <a:t>int</a:t>
-            </a:r>
-            <a:r>
-              <a:rPr lang="es-ES" sz="1100" dirty="0" smtClean="0"/>
-              <a:t>&gt;</a:t>
-            </a:r>
-          </a:p>
-        </p:txBody>
-      </p:sp>
-      <p:sp>
-        <p:nvSpPr>
-          <p:cNvPr id="24" name="Rectángulo 23"/>
-          <p:cNvSpPr/>
-          <p:nvPr/>
-        </p:nvSpPr>
-        <p:spPr>
-          <a:xfrm>
-            <a:off x="6036327" y="627717"/>
-            <a:ext cx="1767220" cy="285437"/>
-          </a:xfrm>
-          <a:prstGeom prst="rect">
-            <a:avLst/>
-          </a:prstGeom>
-        </p:spPr>
-        <p:style>
-          <a:lnRef idx="2">
-            <a:schemeClr val="dk1"/>
-          </a:lnRef>
-          <a:fillRef idx="1">
-            <a:schemeClr val="lt1"/>
-          </a:fillRef>
-          <a:effectRef idx="0">
-            <a:schemeClr val="dk1"/>
-          </a:effectRef>
-          <a:fontRef idx="minor">
-            <a:schemeClr val="dk1"/>
-          </a:fontRef>
-        </p:style>
-        <p:txBody>
-          <a:bodyPr rtlCol="0" anchor="ctr"/>
-          <a:lstStyle/>
-          <a:p>
-            <a:pPr algn="ctr"/>
-            <a:r>
-              <a:rPr lang="es-ES" sz="1100" dirty="0" smtClean="0"/>
-              <a:t>Escena1</a:t>
-            </a:r>
-            <a:endParaRPr lang="es-ES" sz="1100" dirty="0"/>
-          </a:p>
-        </p:txBody>
-      </p:sp>
-      <p:sp>
-        <p:nvSpPr>
-          <p:cNvPr id="25" name="Rectángulo 24"/>
-          <p:cNvSpPr/>
-          <p:nvPr/>
-        </p:nvSpPr>
-        <p:spPr>
-          <a:xfrm>
-            <a:off x="6036326" y="1144935"/>
-            <a:ext cx="1767222" cy="537842"/>
-          </a:xfrm>
-          <a:prstGeom prst="rect">
-            <a:avLst/>
-          </a:prstGeom>
-        </p:spPr>
-        <p:style>
-          <a:lnRef idx="2">
-            <a:schemeClr val="dk1"/>
-          </a:lnRef>
-          <a:fillRef idx="1">
-            <a:schemeClr val="lt1"/>
-          </a:fillRef>
-          <a:effectRef idx="0">
-            <a:schemeClr val="dk1"/>
-          </a:effectRef>
-          <a:fontRef idx="minor">
-            <a:schemeClr val="dk1"/>
-          </a:fontRef>
-        </p:style>
-        <p:txBody>
-          <a:bodyPr rtlCol="0" anchor="ctr"/>
-          <a:lstStyle/>
-          <a:p>
-            <a:pPr algn="ctr"/>
-            <a:r>
-              <a:rPr lang="es-ES" sz="1100" dirty="0" smtClean="0"/>
-              <a:t>+Dibujar()</a:t>
-            </a:r>
-          </a:p>
-          <a:p>
-            <a:pPr algn="ctr"/>
-            <a:r>
-              <a:rPr lang="es-ES" sz="1100" dirty="0" smtClean="0"/>
-              <a:t>+Colisiones()</a:t>
-            </a:r>
-            <a:endParaRPr lang="es-ES" sz="1100" dirty="0"/>
-          </a:p>
-        </p:txBody>
-      </p:sp>
-      <p:cxnSp>
-        <p:nvCxnSpPr>
-          <p:cNvPr id="26" name="Conector recto de flecha 25"/>
+          <p:cNvPr id="121" name="Conector recto 120"/>
           <p:cNvCxnSpPr/>
           <p:nvPr/>
         </p:nvCxnSpPr>
         <p:spPr>
-          <a:xfrm flipH="1" flipV="1">
-            <a:off x="6991903" y="1682777"/>
-            <a:ext cx="1" cy="231781"/>
-          </a:xfrm>
-          <a:prstGeom prst="straightConnector1">
-            <a:avLst/>
-          </a:prstGeom>
-          <a:ln>
-            <a:tailEnd type="triangle"/>
-          </a:ln>
-        </p:spPr>
-        <p:style>
-          <a:lnRef idx="2">
-            <a:schemeClr val="dk1"/>
-          </a:lnRef>
-          <a:fillRef idx="0">
-            <a:schemeClr val="dk1"/>
-          </a:fillRef>
-          <a:effectRef idx="1">
-            <a:schemeClr val="dk1"/>
-          </a:effectRef>
-          <a:fontRef idx="minor">
-            <a:schemeClr val="tx1"/>
-          </a:fontRef>
-        </p:style>
-      </p:cxnSp>
-      <p:sp>
-        <p:nvSpPr>
-          <p:cNvPr id="27" name="Rectángulo 26"/>
-          <p:cNvSpPr/>
-          <p:nvPr/>
-        </p:nvSpPr>
-        <p:spPr>
-          <a:xfrm>
-            <a:off x="6108292" y="2212174"/>
-            <a:ext cx="1767221" cy="240226"/>
-          </a:xfrm>
-          <a:prstGeom prst="rect">
-            <a:avLst/>
-          </a:prstGeom>
-        </p:spPr>
-        <p:style>
-          <a:lnRef idx="2">
-            <a:schemeClr val="dk1"/>
-          </a:lnRef>
-          <a:fillRef idx="1">
-            <a:schemeClr val="lt1"/>
-          </a:fillRef>
-          <a:effectRef idx="0">
-            <a:schemeClr val="dk1"/>
-          </a:effectRef>
-          <a:fontRef idx="minor">
-            <a:schemeClr val="dk1"/>
-          </a:fontRef>
-        </p:style>
-        <p:txBody>
-          <a:bodyPr rtlCol="0" anchor="ctr"/>
-          <a:lstStyle/>
-          <a:p>
-            <a:pPr algn="ctr"/>
-            <a:r>
-              <a:rPr lang="es-ES" sz="1100" dirty="0" smtClean="0"/>
-              <a:t>-Bosque: </a:t>
-            </a:r>
-            <a:r>
-              <a:rPr lang="es-ES" sz="1100" dirty="0" err="1" smtClean="0"/>
-              <a:t>str</a:t>
-            </a:r>
-            <a:endParaRPr lang="es-ES" sz="1100" dirty="0" smtClean="0"/>
-          </a:p>
-        </p:txBody>
-      </p:sp>
-      <p:sp>
-        <p:nvSpPr>
-          <p:cNvPr id="28" name="Rectángulo 27"/>
-          <p:cNvSpPr/>
-          <p:nvPr/>
-        </p:nvSpPr>
-        <p:spPr>
-          <a:xfrm>
-            <a:off x="6108293" y="1914558"/>
-            <a:ext cx="1767220" cy="285437"/>
-          </a:xfrm>
-          <a:prstGeom prst="rect">
-            <a:avLst/>
-          </a:prstGeom>
-        </p:spPr>
-        <p:style>
-          <a:lnRef idx="2">
-            <a:schemeClr val="dk1"/>
-          </a:lnRef>
-          <a:fillRef idx="1">
-            <a:schemeClr val="lt1"/>
-          </a:fillRef>
-          <a:effectRef idx="0">
-            <a:schemeClr val="dk1"/>
-          </a:effectRef>
-          <a:fontRef idx="minor">
-            <a:schemeClr val="dk1"/>
-          </a:fontRef>
-        </p:style>
-        <p:txBody>
-          <a:bodyPr rtlCol="0" anchor="ctr"/>
-          <a:lstStyle/>
-          <a:p>
-            <a:pPr algn="ctr"/>
-            <a:r>
-              <a:rPr lang="es-ES" sz="1100" dirty="0" smtClean="0"/>
-              <a:t>Escena2</a:t>
-            </a:r>
-            <a:endParaRPr lang="es-ES" sz="1100" dirty="0"/>
-          </a:p>
-        </p:txBody>
-      </p:sp>
-      <p:sp>
-        <p:nvSpPr>
-          <p:cNvPr id="29" name="Rectángulo 28"/>
-          <p:cNvSpPr/>
-          <p:nvPr/>
-        </p:nvSpPr>
-        <p:spPr>
-          <a:xfrm>
-            <a:off x="6108291" y="2464579"/>
-            <a:ext cx="1767222" cy="183759"/>
-          </a:xfrm>
-          <a:prstGeom prst="rect">
-            <a:avLst/>
-          </a:prstGeom>
-        </p:spPr>
-        <p:style>
-          <a:lnRef idx="2">
-            <a:schemeClr val="dk1"/>
-          </a:lnRef>
-          <a:fillRef idx="1">
-            <a:schemeClr val="lt1"/>
-          </a:fillRef>
-          <a:effectRef idx="0">
-            <a:schemeClr val="dk1"/>
-          </a:effectRef>
-          <a:fontRef idx="minor">
-            <a:schemeClr val="dk1"/>
-          </a:fontRef>
-        </p:style>
-        <p:txBody>
-          <a:bodyPr rtlCol="0" anchor="ctr"/>
-          <a:lstStyle/>
-          <a:p>
-            <a:pPr algn="ctr"/>
-            <a:endParaRPr lang="es-ES" sz="1100" dirty="0"/>
-          </a:p>
-        </p:txBody>
-      </p:sp>
-      <p:cxnSp>
-        <p:nvCxnSpPr>
-          <p:cNvPr id="30" name="Conector recto de flecha 29"/>
-          <p:cNvCxnSpPr>
-            <a:stCxn id="28" idx="0"/>
-          </p:cNvCxnSpPr>
-          <p:nvPr/>
-        </p:nvCxnSpPr>
-        <p:spPr>
-          <a:xfrm flipH="1" flipV="1">
-            <a:off x="6991902" y="1682777"/>
-            <a:ext cx="1" cy="231781"/>
-          </a:xfrm>
-          <a:prstGeom prst="straightConnector1">
-            <a:avLst/>
-          </a:prstGeom>
-          <a:ln>
-            <a:tailEnd type="triangle"/>
-          </a:ln>
+          <a:xfrm>
+            <a:off x="2762893" y="2211961"/>
+            <a:ext cx="498154" cy="0"/>
+          </a:xfrm>
+          <a:prstGeom prst="line">
+            <a:avLst/>
+          </a:prstGeom>
         </p:spPr>
         <p:style>
           <a:lnRef idx="2">
@@ -5489,21 +5369,18 @@
       </p:cxnSp>
       <p:cxnSp>
         <p:nvCxnSpPr>
-          <p:cNvPr id="3" name="Conector recto de flecha 2"/>
+          <p:cNvPr id="124" name="Conector recto 123"/>
           <p:cNvCxnSpPr/>
           <p:nvPr/>
         </p:nvCxnSpPr>
         <p:spPr>
-          <a:xfrm flipH="1">
-            <a:off x="4790134" y="1105620"/>
-            <a:ext cx="1246192" cy="18967"/>
-          </a:xfrm>
-          <a:prstGeom prst="straightConnector1">
-            <a:avLst/>
-          </a:prstGeom>
-          <a:ln>
-            <a:tailEnd type="triangle"/>
-          </a:ln>
+          <a:xfrm>
+            <a:off x="3261047" y="2211961"/>
+            <a:ext cx="0" cy="250619"/>
+          </a:xfrm>
+          <a:prstGeom prst="line">
+            <a:avLst/>
+          </a:prstGeom>
         </p:spPr>
         <p:style>
           <a:lnRef idx="2">
@@ -5520,16 +5397,76 @@
           </a:fontRef>
         </p:style>
       </p:cxnSp>
-      <p:sp>
-        <p:nvSpPr>
-          <p:cNvPr id="17" name="Decisión 16"/>
+      <p:cxnSp>
+        <p:nvCxnSpPr>
+          <p:cNvPr id="126" name="Conector recto 125"/>
+          <p:cNvCxnSpPr/>
+          <p:nvPr/>
+        </p:nvCxnSpPr>
+        <p:spPr>
+          <a:xfrm>
+            <a:off x="3261047" y="2462580"/>
+            <a:ext cx="707703" cy="0"/>
+          </a:xfrm>
+          <a:prstGeom prst="line">
+            <a:avLst/>
+          </a:prstGeom>
+        </p:spPr>
+        <p:style>
+          <a:lnRef idx="2">
+            <a:schemeClr val="dk1"/>
+          </a:lnRef>
+          <a:fillRef idx="0">
+            <a:schemeClr val="dk1"/>
+          </a:fillRef>
+          <a:effectRef idx="1">
+            <a:schemeClr val="dk1"/>
+          </a:effectRef>
+          <a:fontRef idx="minor">
+            <a:schemeClr val="tx1"/>
+          </a:fontRef>
+        </p:style>
+      </p:cxnSp>
+      <p:cxnSp>
+        <p:nvCxnSpPr>
+          <p:cNvPr id="128" name="Conector recto 127"/>
+          <p:cNvCxnSpPr/>
+          <p:nvPr/>
+        </p:nvCxnSpPr>
+        <p:spPr>
+          <a:xfrm>
+            <a:off x="3981450" y="2462580"/>
+            <a:ext cx="0" cy="227538"/>
+          </a:xfrm>
+          <a:prstGeom prst="line">
+            <a:avLst/>
+          </a:prstGeom>
+        </p:spPr>
+        <p:style>
+          <a:lnRef idx="2">
+            <a:schemeClr val="dk1"/>
+          </a:lnRef>
+          <a:fillRef idx="0">
+            <a:schemeClr val="dk1"/>
+          </a:fillRef>
+          <a:effectRef idx="1">
+            <a:schemeClr val="dk1"/>
+          </a:effectRef>
+          <a:fontRef idx="minor">
+            <a:schemeClr val="tx1"/>
+          </a:fontRef>
+        </p:style>
+      </p:cxnSp>
+      <p:sp>
+        <p:nvSpPr>
+          <p:cNvPr id="129" name="Decisión 128"/>
           <p:cNvSpPr/>
           <p:nvPr/>
         </p:nvSpPr>
         <p:spPr>
           <a:xfrm>
-            <a:off x="4743125" y="974722"/>
-            <a:ext cx="311476" cy="254549"/>
+            <a:off x="3939435" y="2517544"/>
+            <a:ext cx="104483" cy="183326"/>
           </a:xfrm>
           <a:prstGeom prst="flowChartDecision">
             <a:avLst/>
@@ -5560,204 +5497,22 @@
           </a:p>
         </p:txBody>
       </p:sp>
-      <p:sp>
-        <p:nvSpPr>
-          <p:cNvPr id="31" name="Decisión 30"/>
-          <p:cNvSpPr/>
-          <p:nvPr/>
-        </p:nvSpPr>
-        <p:spPr>
-          <a:xfrm>
-            <a:off x="2639598" y="974722"/>
-            <a:ext cx="311476" cy="254549"/>
-          </a:xfrm>
-          <a:prstGeom prst="flowChartDecision">
-            <a:avLst/>
-          </a:prstGeom>
-        </p:spPr>
-        <p:style>
-          <a:lnRef idx="2">
-            <a:schemeClr val="accent1">
-              <a:shade val="50000"/>
-            </a:schemeClr>
-          </a:lnRef>
-          <a:fillRef idx="1">
-            <a:schemeClr val="accent1"/>
-          </a:fillRef>
-          <a:effectRef idx="0">
-            <a:schemeClr val="accent1"/>
-          </a:effectRef>
-          <a:fontRef idx="minor">
-            <a:schemeClr val="lt1"/>
-          </a:fontRef>
-        </p:style>
-        <p:txBody>
-          <a:bodyPr rtlCol="0" anchor="ctr"/>
-          <a:lstStyle/>
-          <a:p>
-            <a:pPr algn="ctr"/>
-            <a:endParaRPr lang="es-ES"/>
-          </a:p>
-        </p:txBody>
-      </p:sp>
-      <p:sp>
-        <p:nvSpPr>
-          <p:cNvPr id="32" name="Rectángulo 31"/>
-          <p:cNvSpPr/>
-          <p:nvPr/>
-        </p:nvSpPr>
-        <p:spPr>
-          <a:xfrm>
-            <a:off x="9127379" y="965172"/>
-            <a:ext cx="1767221" cy="305313"/>
-          </a:xfrm>
-          <a:prstGeom prst="rect">
-            <a:avLst/>
-          </a:prstGeom>
-        </p:spPr>
-        <p:style>
-          <a:lnRef idx="2">
-            <a:schemeClr val="dk1"/>
-          </a:lnRef>
-          <a:fillRef idx="1">
-            <a:schemeClr val="lt1"/>
-          </a:fillRef>
-          <a:effectRef idx="0">
-            <a:schemeClr val="dk1"/>
-          </a:effectRef>
-          <a:fontRef idx="minor">
-            <a:schemeClr val="dk1"/>
-          </a:fontRef>
-        </p:style>
-        <p:txBody>
-          <a:bodyPr rtlCol="0" anchor="ctr"/>
-          <a:lstStyle/>
-          <a:p>
-            <a:pPr algn="ctr"/>
-            <a:r>
-              <a:rPr lang="es-ES" sz="1100" dirty="0" smtClean="0"/>
-              <a:t>-Tipo: </a:t>
-            </a:r>
-            <a:r>
-              <a:rPr lang="es-ES" sz="1100" dirty="0" err="1" smtClean="0"/>
-              <a:t>str</a:t>
-            </a:r>
-            <a:endParaRPr lang="es-ES" sz="1100" dirty="0" smtClean="0"/>
-          </a:p>
-          <a:p>
-            <a:pPr algn="ctr"/>
-            <a:r>
-              <a:rPr lang="es-ES" sz="1100" dirty="0" smtClean="0"/>
-              <a:t>-Daño: </a:t>
-            </a:r>
-            <a:r>
-              <a:rPr lang="es-ES" sz="1100" dirty="0" err="1" smtClean="0"/>
-              <a:t>int</a:t>
-            </a:r>
-            <a:endParaRPr lang="es-ES" sz="1100" dirty="0" smtClean="0"/>
-          </a:p>
-        </p:txBody>
-      </p:sp>
-      <p:sp>
-        <p:nvSpPr>
-          <p:cNvPr id="33" name="Rectángulo 32"/>
-          <p:cNvSpPr/>
-          <p:nvPr/>
-        </p:nvSpPr>
-        <p:spPr>
-          <a:xfrm>
-            <a:off x="9127380" y="667556"/>
-            <a:ext cx="1767220" cy="285437"/>
-          </a:xfrm>
-          <a:prstGeom prst="rect">
-            <a:avLst/>
-          </a:prstGeom>
-        </p:spPr>
-        <p:style>
-          <a:lnRef idx="2">
-            <a:schemeClr val="dk1"/>
-          </a:lnRef>
-          <a:fillRef idx="1">
-            <a:schemeClr val="lt1"/>
-          </a:fillRef>
-          <a:effectRef idx="0">
-            <a:schemeClr val="dk1"/>
-          </a:effectRef>
-          <a:fontRef idx="minor">
-            <a:schemeClr val="dk1"/>
-          </a:fontRef>
-        </p:style>
-        <p:txBody>
-          <a:bodyPr rtlCol="0" anchor="ctr"/>
-          <a:lstStyle/>
-          <a:p>
-            <a:pPr algn="ctr"/>
-            <a:r>
-              <a:rPr lang="es-ES" sz="1100" dirty="0" smtClean="0"/>
-              <a:t>Arma</a:t>
-            </a:r>
-          </a:p>
-        </p:txBody>
-      </p:sp>
-      <p:sp>
-        <p:nvSpPr>
-          <p:cNvPr id="34" name="Rectángulo 33"/>
-          <p:cNvSpPr/>
-          <p:nvPr/>
-        </p:nvSpPr>
-        <p:spPr>
-          <a:xfrm>
-            <a:off x="9127378" y="1284189"/>
-            <a:ext cx="1767222" cy="304073"/>
-          </a:xfrm>
-          <a:prstGeom prst="rect">
-            <a:avLst/>
-          </a:prstGeom>
-        </p:spPr>
-        <p:style>
-          <a:lnRef idx="2">
-            <a:schemeClr val="dk1"/>
-          </a:lnRef>
-          <a:fillRef idx="1">
-            <a:schemeClr val="lt1"/>
-          </a:fillRef>
-          <a:effectRef idx="0">
-            <a:schemeClr val="dk1"/>
-          </a:effectRef>
-          <a:fontRef idx="minor">
-            <a:schemeClr val="dk1"/>
-          </a:fontRef>
-        </p:style>
-        <p:txBody>
-          <a:bodyPr rtlCol="0" anchor="ctr"/>
-          <a:lstStyle/>
-          <a:p>
-            <a:pPr algn="ctr"/>
-            <a:r>
-              <a:rPr lang="es-ES" sz="1100" dirty="0" smtClean="0"/>
-              <a:t>+Disparar()</a:t>
-            </a:r>
-            <a:endParaRPr lang="es-ES" sz="1100" dirty="0"/>
-          </a:p>
-        </p:txBody>
-      </p:sp>
       <p:cxnSp>
         <p:nvCxnSpPr>
-          <p:cNvPr id="38" name="Conector recto de flecha 37"/>
-          <p:cNvCxnSpPr/>
+          <p:cNvPr id="3" name="Conector recto 2"/>
+          <p:cNvCxnSpPr>
+            <a:stCxn id="41" idx="3"/>
+          </p:cNvCxnSpPr>
           <p:nvPr/>
         </p:nvCxnSpPr>
         <p:spPr>
-          <a:xfrm flipH="1">
-            <a:off x="7842367" y="1035134"/>
-            <a:ext cx="1246192" cy="18967"/>
-          </a:xfrm>
-          <a:prstGeom prst="straightConnector1">
-            <a:avLst/>
-          </a:prstGeom>
-          <a:ln>
-            <a:tailEnd type="triangle"/>
-          </a:ln>
+          <a:xfrm>
+            <a:off x="2972240" y="811264"/>
+            <a:ext cx="7968275" cy="32350"/>
+          </a:xfrm>
+          <a:prstGeom prst="line">
+            <a:avLst/>
+          </a:prstGeom>
         </p:spPr>
         <p:style>
           <a:lnRef idx="2">
@@ -5774,50 +5529,42 @@
           </a:fontRef>
         </p:style>
       </p:cxnSp>
-      <p:sp>
-        <p:nvSpPr>
-          <p:cNvPr id="39" name="Decisión 38"/>
-          <p:cNvSpPr/>
+      <p:cxnSp>
+        <p:nvCxnSpPr>
+          <p:cNvPr id="8" name="Conector recto 7"/>
+          <p:cNvCxnSpPr>
+            <a:endCxn id="95" idx="0"/>
+          </p:cNvCxnSpPr>
           <p:nvPr/>
-        </p:nvSpPr>
-        <p:spPr>
-          <a:xfrm>
-            <a:off x="7786615" y="907859"/>
-            <a:ext cx="311476" cy="254549"/>
-          </a:xfrm>
-          <a:prstGeom prst="flowChartDecision">
+        </p:nvCxnSpPr>
+        <p:spPr>
+          <a:xfrm>
+            <a:off x="10940515" y="843614"/>
+            <a:ext cx="0" cy="483647"/>
+          </a:xfrm>
+          <a:prstGeom prst="line">
             <a:avLst/>
           </a:prstGeom>
         </p:spPr>
         <p:style>
           <a:lnRef idx="2">
-            <a:schemeClr val="accent1">
-              <a:shade val="50000"/>
-            </a:schemeClr>
+            <a:schemeClr val="dk1"/>
           </a:lnRef>
-          <a:fillRef idx="1">
-            <a:schemeClr val="accent1"/>
+          <a:fillRef idx="0">
+            <a:schemeClr val="dk1"/>
           </a:fillRef>
-          <a:effectRef idx="0">
-            <a:schemeClr val="accent1"/>
+          <a:effectRef idx="1">
+            <a:schemeClr val="dk1"/>
           </a:effectRef>
           <a:fontRef idx="minor">
-            <a:schemeClr val="lt1"/>
+            <a:schemeClr val="tx1"/>
           </a:fontRef>
         </p:style>
-        <p:txBody>
-          <a:bodyPr rtlCol="0" anchor="ctr"/>
-          <a:lstStyle/>
-          <a:p>
-            <a:pPr algn="ctr"/>
-            <a:endParaRPr lang="es-ES"/>
-          </a:p>
-        </p:txBody>
-      </p:sp>
+      </p:cxnSp>
     </p:spTree>
     <p:extLst>
       <p:ext uri="{BB962C8B-B14F-4D97-AF65-F5344CB8AC3E}">
-        <p14:creationId xmlns:p14="http://schemas.microsoft.com/office/powerpoint/2010/main" val="2574793730"/>
+        <p14:creationId xmlns:p14="http://schemas.microsoft.com/office/powerpoint/2010/main" val="3778773348"/>
       </p:ext>
     </p:extLst>
   </p:cSld>

--- a/DiagramaJuego.pptx
+++ b/DiagramaJuego.pptx
@@ -243,7 +243,7 @@
           <a:p>
             <a:fld id="{D96251D8-582E-4F71-8790-964B5AA9A609}" type="datetimeFigureOut">
               <a:rPr lang="es-ES" smtClean="0"/>
-              <a:t>05/11/2024</a:t>
+              <a:t>06/11/2024</a:t>
             </a:fld>
             <a:endParaRPr lang="es-ES"/>
           </a:p>
@@ -413,7 +413,7 @@
           <a:p>
             <a:fld id="{D96251D8-582E-4F71-8790-964B5AA9A609}" type="datetimeFigureOut">
               <a:rPr lang="es-ES" smtClean="0"/>
-              <a:t>05/11/2024</a:t>
+              <a:t>06/11/2024</a:t>
             </a:fld>
             <a:endParaRPr lang="es-ES"/>
           </a:p>
@@ -593,7 +593,7 @@
           <a:p>
             <a:fld id="{D96251D8-582E-4F71-8790-964B5AA9A609}" type="datetimeFigureOut">
               <a:rPr lang="es-ES" smtClean="0"/>
-              <a:t>05/11/2024</a:t>
+              <a:t>06/11/2024</a:t>
             </a:fld>
             <a:endParaRPr lang="es-ES"/>
           </a:p>
@@ -763,7 +763,7 @@
           <a:p>
             <a:fld id="{D96251D8-582E-4F71-8790-964B5AA9A609}" type="datetimeFigureOut">
               <a:rPr lang="es-ES" smtClean="0"/>
-              <a:t>05/11/2024</a:t>
+              <a:t>06/11/2024</a:t>
             </a:fld>
             <a:endParaRPr lang="es-ES"/>
           </a:p>
@@ -1009,7 +1009,7 @@
           <a:p>
             <a:fld id="{D96251D8-582E-4F71-8790-964B5AA9A609}" type="datetimeFigureOut">
               <a:rPr lang="es-ES" smtClean="0"/>
-              <a:t>05/11/2024</a:t>
+              <a:t>06/11/2024</a:t>
             </a:fld>
             <a:endParaRPr lang="es-ES"/>
           </a:p>
@@ -1241,7 +1241,7 @@
           <a:p>
             <a:fld id="{D96251D8-582E-4F71-8790-964B5AA9A609}" type="datetimeFigureOut">
               <a:rPr lang="es-ES" smtClean="0"/>
-              <a:t>05/11/2024</a:t>
+              <a:t>06/11/2024</a:t>
             </a:fld>
             <a:endParaRPr lang="es-ES"/>
           </a:p>
@@ -1608,7 +1608,7 @@
           <a:p>
             <a:fld id="{D96251D8-582E-4F71-8790-964B5AA9A609}" type="datetimeFigureOut">
               <a:rPr lang="es-ES" smtClean="0"/>
-              <a:t>05/11/2024</a:t>
+              <a:t>06/11/2024</a:t>
             </a:fld>
             <a:endParaRPr lang="es-ES"/>
           </a:p>
@@ -1726,7 +1726,7 @@
           <a:p>
             <a:fld id="{D96251D8-582E-4F71-8790-964B5AA9A609}" type="datetimeFigureOut">
               <a:rPr lang="es-ES" smtClean="0"/>
-              <a:t>05/11/2024</a:t>
+              <a:t>06/11/2024</a:t>
             </a:fld>
             <a:endParaRPr lang="es-ES"/>
           </a:p>
@@ -1821,7 +1821,7 @@
           <a:p>
             <a:fld id="{D96251D8-582E-4F71-8790-964B5AA9A609}" type="datetimeFigureOut">
               <a:rPr lang="es-ES" smtClean="0"/>
-              <a:t>05/11/2024</a:t>
+              <a:t>06/11/2024</a:t>
             </a:fld>
             <a:endParaRPr lang="es-ES"/>
           </a:p>
@@ -2098,7 +2098,7 @@
           <a:p>
             <a:fld id="{D96251D8-582E-4F71-8790-964B5AA9A609}" type="datetimeFigureOut">
               <a:rPr lang="es-ES" smtClean="0"/>
-              <a:t>05/11/2024</a:t>
+              <a:t>06/11/2024</a:t>
             </a:fld>
             <a:endParaRPr lang="es-ES"/>
           </a:p>
@@ -2351,7 +2351,7 @@
           <a:p>
             <a:fld id="{D96251D8-582E-4F71-8790-964B5AA9A609}" type="datetimeFigureOut">
               <a:rPr lang="es-ES" smtClean="0"/>
-              <a:t>05/11/2024</a:t>
+              <a:t>06/11/2024</a:t>
             </a:fld>
             <a:endParaRPr lang="es-ES"/>
           </a:p>
@@ -2564,7 +2564,7 @@
           <a:p>
             <a:fld id="{D96251D8-582E-4F71-8790-964B5AA9A609}" type="datetimeFigureOut">
               <a:rPr lang="es-ES" smtClean="0"/>
-              <a:t>05/11/2024</a:t>
+              <a:t>06/11/2024</a:t>
             </a:fld>
             <a:endParaRPr lang="es-ES"/>
           </a:p>
@@ -5029,11 +5029,7 @@
             <a:pPr algn="ctr"/>
             <a:r>
               <a:rPr lang="es-ES" sz="1100" dirty="0" smtClean="0"/>
-              <a:t>+Disparar</a:t>
-            </a:r>
-            <a:r>
-              <a:rPr lang="es-ES" sz="1100" dirty="0" smtClean="0"/>
-              <a:t>(</a:t>
+              <a:t>+Disparar(</a:t>
             </a:r>
           </a:p>
           <a:p>
@@ -5561,6 +5557,46 @@
           </a:fontRef>
         </p:style>
       </p:cxnSp>
+      <p:sp>
+        <p:nvSpPr>
+          <p:cNvPr id="2" name="Decisión 1"/>
+          <p:cNvSpPr/>
+          <p:nvPr/>
+        </p:nvSpPr>
+        <p:spPr>
+          <a:xfrm>
+            <a:off x="8343362" y="1667790"/>
+            <a:ext cx="320270" cy="198375"/>
+          </a:xfrm>
+          <a:prstGeom prst="flowChartDecision">
+            <a:avLst/>
+          </a:prstGeom>
+        </p:spPr>
+        <p:style>
+          <a:lnRef idx="2">
+            <a:schemeClr val="accent1">
+              <a:shade val="50000"/>
+            </a:schemeClr>
+          </a:lnRef>
+          <a:fillRef idx="1">
+            <a:schemeClr val="accent1"/>
+          </a:fillRef>
+          <a:effectRef idx="0">
+            <a:schemeClr val="accent1"/>
+          </a:effectRef>
+          <a:fontRef idx="minor">
+            <a:schemeClr val="lt1"/>
+          </a:fontRef>
+        </p:style>
+        <p:txBody>
+          <a:bodyPr rtlCol="0" anchor="ctr"/>
+          <a:lstStyle/>
+          <a:p>
+            <a:pPr algn="ctr"/>
+            <a:endParaRPr lang="es-ES"/>
+          </a:p>
+        </p:txBody>
+      </p:sp>
     </p:spTree>
     <p:extLst>
       <p:ext uri="{BB962C8B-B14F-4D97-AF65-F5344CB8AC3E}">
